--- a/clinical-research-methodology/results/video02-planning.pptx
+++ b/clinical-research-methodology/results/video02-planning.pptx
@@ -5,7 +5,7 @@
     <p:sldMasterId id="2147483648" r:id="rId1"/>
   </p:sldMasterIdLst>
   <p:notesMasterIdLst>
-    <p:NotesMasterId r:id="rId37"/>
+    <p:NotesMasterId r:id="rId40"/>
   </p:notesMasterIdLst>
   <p:sldIdLst>
     <p:sldId id="256" r:id="rId2"/>
@@ -43,6 +43,9 @@
     <p:sldId id="288" r:id="rId34"/>
     <p:sldId id="289" r:id="rId35"/>
     <p:sldId id="290" r:id="rId36"/>
+    <p:sldId id="291" r:id="rId37"/>
+    <p:sldId id="292" r:id="rId38"/>
+    <p:sldId id="293" r:id="rId39"/>
   </p:sldIdLst>
   <p:sldSz cx="9144000" cy="6858000" type="screen4x3"/>
   <p:notesSz cx="6858000" cy="9144000"/>
@@ -5726,7 +5729,7 @@
           <a:p>
             <a:fld id="{18BDFEC3-8487-43E8-A154-7C12CBC1FFF2}" type="slidenum">
               <a:rPr lang="en-US"/>
-              <a:t>14</a:t>
+              <a:t>15</a:t>
             </a:fld>
             <a:endParaRPr lang="en-US"/>
           </a:p>
@@ -9978,7 +9981,7 @@
           <a:p>
             <a:fld id="{18BDFEC3-8487-43E8-A154-7C12CBC1FFF2}" type="slidenum">
               <a:rPr lang="en-US"/>
-              <a:t>15</a:t>
+              <a:t>16</a:t>
             </a:fld>
             <a:endParaRPr lang="en-US"/>
           </a:p>
@@ -12444,7 +12447,7 @@
           <a:p>
             <a:fld id="{18BDFEC3-8487-43E8-A154-7C12CBC1FFF2}" type="slidenum">
               <a:rPr lang="en-US"/>
-              <a:t>16</a:t>
+              <a:t>17</a:t>
             </a:fld>
             <a:endParaRPr lang="en-US"/>
           </a:p>
@@ -13768,7 +13771,7 @@
           <a:p>
             <a:fld id="{18BDFEC3-8487-43E8-A154-7C12CBC1FFF2}" type="slidenum">
               <a:rPr lang="en-US"/>
-              <a:t>17</a:t>
+              <a:t>18</a:t>
             </a:fld>
             <a:endParaRPr lang="en-US"/>
           </a:p>
@@ -15160,7 +15163,7 @@
           <a:p>
             <a:fld id="{18BDFEC3-8487-43E8-A154-7C12CBC1FFF2}" type="slidenum">
               <a:rPr lang="en-US"/>
-              <a:t>18</a:t>
+              <a:t>20</a:t>
             </a:fld>
             <a:endParaRPr lang="en-US"/>
           </a:p>
@@ -21444,7 +21447,7 @@
           <a:p>
             <a:fld id="{18BDFEC3-8487-43E8-A154-7C12CBC1FFF2}" type="slidenum">
               <a:rPr lang="en-US"/>
-              <a:t>19</a:t>
+              <a:t>21</a:t>
             </a:fld>
             <a:endParaRPr lang="en-US"/>
           </a:p>
@@ -23166,7 +23169,7 @@
           <a:p>
             <a:fld id="{18BDFEC3-8487-43E8-A154-7C12CBC1FFF2}" type="slidenum">
               <a:rPr lang="en-US"/>
-              <a:t>20</a:t>
+              <a:t>22</a:t>
             </a:fld>
             <a:endParaRPr lang="en-US"/>
           </a:p>
@@ -26346,7 +26349,7 @@
           <a:p>
             <a:fld id="{18BDFEC3-8487-43E8-A154-7C12CBC1FFF2}" type="slidenum">
               <a:rPr lang="en-US"/>
-              <a:t>21</a:t>
+              <a:t>23</a:t>
             </a:fld>
             <a:endParaRPr lang="en-US"/>
           </a:p>
@@ -29252,7 +29255,7 @@
           <a:p>
             <a:fld id="{18BDFEC3-8487-43E8-A154-7C12CBC1FFF2}" type="slidenum">
               <a:rPr lang="en-US"/>
-              <a:t>22</a:t>
+              <a:t>24</a:t>
             </a:fld>
             <a:endParaRPr lang="en-US"/>
           </a:p>
@@ -31184,7 +31187,7 @@
           <a:p>
             <a:fld id="{18BDFEC3-8487-43E8-A154-7C12CBC1FFF2}" type="slidenum">
               <a:rPr lang="en-US"/>
-              <a:t>23</a:t>
+              <a:t>25</a:t>
             </a:fld>
             <a:endParaRPr lang="en-US"/>
           </a:p>
@@ -35208,7 +35211,7 @@
           <a:p>
             <a:fld id="{18BDFEC3-8487-43E8-A154-7C12CBC1FFF2}" type="slidenum">
               <a:rPr lang="en-US"/>
-              <a:t>24</a:t>
+              <a:t>27</a:t>
             </a:fld>
             <a:endParaRPr lang="en-US"/>
           </a:p>
@@ -36944,7 +36947,7 @@
           <a:p>
             <a:fld id="{18BDFEC3-8487-43E8-A154-7C12CBC1FFF2}" type="slidenum">
               <a:rPr lang="en-US"/>
-              <a:t>25</a:t>
+              <a:t>28</a:t>
             </a:fld>
             <a:endParaRPr lang="en-US"/>
           </a:p>
@@ -40412,7 +40415,7 @@
           <a:p>
             <a:fld id="{18BDFEC3-8487-43E8-A154-7C12CBC1FFF2}" type="slidenum">
               <a:rPr lang="en-US"/>
-              <a:t>26</a:t>
+              <a:t>29</a:t>
             </a:fld>
             <a:endParaRPr lang="en-US"/>
           </a:p>
@@ -41704,7 +41707,7 @@
           <a:p>
             <a:fld id="{18BDFEC3-8487-43E8-A154-7C12CBC1FFF2}" type="slidenum">
               <a:rPr lang="en-US"/>
-              <a:t>27</a:t>
+              <a:t>30</a:t>
             </a:fld>
             <a:endParaRPr lang="en-US"/>
           </a:p>
@@ -46868,7 +46871,7 @@
           <a:p>
             <a:fld id="{18BDFEC3-8487-43E8-A154-7C12CBC1FFF2}" type="slidenum">
               <a:rPr lang="en-US"/>
-              <a:t>28</a:t>
+              <a:t>31</a:t>
             </a:fld>
             <a:endParaRPr lang="en-US"/>
           </a:p>
@@ -47792,7 +47795,7 @@
           <a:p>
             <a:fld id="{18BDFEC3-8487-43E8-A154-7C12CBC1FFF2}" type="slidenum">
               <a:rPr lang="en-US"/>
-              <a:t>29</a:t>
+              <a:t>32</a:t>
             </a:fld>
             <a:endParaRPr lang="en-US"/>
           </a:p>
@@ -49130,7 +49133,7 @@
           <a:p>
             <a:fld id="{18BDFEC3-8487-43E8-A154-7C12CBC1FFF2}" type="slidenum">
               <a:rPr lang="en-US"/>
-              <a:t>30</a:t>
+              <a:t>33</a:t>
             </a:fld>
             <a:endParaRPr lang="en-US"/>
           </a:p>
@@ -51810,7 +51813,7 @@
           <a:p>
             <a:fld id="{18BDFEC3-8487-43E8-A154-7C12CBC1FFF2}" type="slidenum">
               <a:rPr lang="en-US"/>
-              <a:t>31</a:t>
+              <a:t>34</a:t>
             </a:fld>
             <a:endParaRPr lang="en-US"/>
           </a:p>
@@ -52498,7 +52501,7 @@
           <a:p>
             <a:fld id="{18BDFEC3-8487-43E8-A154-7C12CBC1FFF2}" type="slidenum">
               <a:rPr lang="en-US"/>
-              <a:t>32</a:t>
+              <a:t>35</a:t>
             </a:fld>
             <a:endParaRPr lang="en-US"/>
           </a:p>
@@ -53610,7 +53613,7 @@
           <a:p>
             <a:fld id="{18BDFEC3-8487-43E8-A154-7C12CBC1FFF2}" type="slidenum">
               <a:rPr lang="en-US"/>
-              <a:t>33</a:t>
+              <a:t>36</a:t>
             </a:fld>
             <a:endParaRPr lang="en-US"/>
           </a:p>
@@ -54022,7 +54025,7 @@
           <a:p>
             <a:fld id="{18BDFEC3-8487-43E8-A154-7C12CBC1FFF2}" type="slidenum">
               <a:rPr lang="en-US"/>
-              <a:t>34</a:t>
+              <a:t>37</a:t>
             </a:fld>
             <a:endParaRPr lang="en-US"/>
           </a:p>
@@ -61226,55 +61229,15 @@
             </a:pPr>
             <a:r>
               <a:rPr/>
-              <a:t>Step</a:t>
-            </a:r>
-            <a:r>
-              <a:rPr/>
-              <a:t> </a:t>
-            </a:r>
-            <a:r>
-              <a:rPr/>
-              <a:t>1</a:t>
-            </a:r>
-            <a:r>
-              <a:rPr/>
-              <a:t> </a:t>
-            </a:r>
-            <a:r>
-              <a:rPr/>
-              <a:t>-</a:t>
-            </a:r>
-            <a:r>
-              <a:rPr/>
-              <a:t> </a:t>
-            </a:r>
-            <a:r>
-              <a:rPr/>
-              <a:t>Identify</a:t>
-            </a:r>
-            <a:r>
-              <a:rPr/>
-              <a:t> </a:t>
-            </a:r>
-            <a:r>
-              <a:rPr/>
-              <a:t>a</a:t>
-            </a:r>
-            <a:r>
-              <a:rPr/>
-              <a:t> </a:t>
-            </a:r>
-            <a:r>
-              <a:rPr/>
-              <a:t>research</a:t>
-            </a:r>
-            <a:r>
-              <a:rPr/>
-              <a:t> </a:t>
-            </a:r>
-            <a:r>
-              <a:rPr/>
-              <a:t>problem</a:t>
+              <a:t>Break</a:t>
+            </a:r>
+            <a:r>
+              <a:rPr/>
+              <a:t> </a:t>
+            </a:r>
+            <a:r>
+              <a:rPr/>
+              <a:t>#1</a:t>
             </a:r>
           </a:p>
         </p:txBody>
@@ -61294,47 +61257,31 @@
           <a:bodyPr/>
           <a:lstStyle/>
           <a:p>
-            <a:pPr lvl="0" marL="0" indent="0">
-              <a:buNone/>
-            </a:pPr>
-            <a:r>
-              <a:rPr/>
-              <a:t>Definitions are vague</a:t>
+            <a:pPr lvl="1"/>
+            <a:r>
+              <a:rPr/>
+              <a:t>What have we learned?</a:t>
+            </a:r>
+          </a:p>
+          <a:p>
+            <a:pPr lvl="2"/>
+            <a:r>
+              <a:rPr/>
+              <a:t>Steps in a research project</a:t>
             </a:r>
           </a:p>
           <a:p>
             <a:pPr lvl="1"/>
             <a:r>
               <a:rPr/>
-              <a:t>What is a research problem? question? aim? goal?</a:t>
-            </a:r>
-          </a:p>
-          <a:p>
-            <a:pPr lvl="1"/>
-            <a:r>
-              <a:rPr/>
-              <a:t>Sources of research problems</a:t>
+              <a:t>What’s coming up next?</a:t>
             </a:r>
           </a:p>
           <a:p>
             <a:pPr lvl="2"/>
             <a:r>
               <a:rPr/>
-              <a:t>Read</a:t>
-            </a:r>
-          </a:p>
-          <a:p>
-            <a:pPr lvl="2"/>
-            <a:r>
-              <a:rPr/>
-              <a:t>Listen</a:t>
-            </a:r>
-          </a:p>
-          <a:p>
-            <a:pPr lvl="2"/>
-            <a:r>
-              <a:rPr/>
-              <a:t>Observe</a:t>
+              <a:t>Picking a research topic</a:t>
             </a:r>
           </a:p>
         </p:txBody>
@@ -61381,15 +61328,31 @@
             </a:pPr>
             <a:r>
               <a:rPr/>
-              <a:t>Characteristics</a:t>
-            </a:r>
-            <a:r>
-              <a:rPr/>
-              <a:t> </a:t>
-            </a:r>
-            <a:r>
-              <a:rPr/>
-              <a:t>of</a:t>
+              <a:t>Step</a:t>
+            </a:r>
+            <a:r>
+              <a:rPr/>
+              <a:t> </a:t>
+            </a:r>
+            <a:r>
+              <a:rPr/>
+              <a:t>1</a:t>
+            </a:r>
+            <a:r>
+              <a:rPr/>
+              <a:t> </a:t>
+            </a:r>
+            <a:r>
+              <a:rPr/>
+              <a:t>-</a:t>
+            </a:r>
+            <a:r>
+              <a:rPr/>
+              <a:t> </a:t>
+            </a:r>
+            <a:r>
+              <a:rPr/>
+              <a:t>Identify</a:t>
             </a:r>
             <a:r>
               <a:rPr/>
@@ -61398,14 +61361,6 @@
             <a:r>
               <a:rPr/>
               <a:t>a</a:t>
-            </a:r>
-            <a:r>
-              <a:rPr/>
-              <a:t> </a:t>
-            </a:r>
-            <a:r>
-              <a:rPr/>
-              <a:t>good</a:t>
             </a:r>
             <a:r>
               <a:rPr/>
@@ -61441,31 +61396,47 @@
           <a:bodyPr/>
           <a:lstStyle/>
           <a:p>
+            <a:pPr lvl="0" marL="0" indent="0">
+              <a:buNone/>
+            </a:pPr>
+            <a:r>
+              <a:rPr/>
+              <a:t>Definitions are vague</a:t>
+            </a:r>
+          </a:p>
+          <a:p>
             <a:pPr lvl="1"/>
             <a:r>
               <a:rPr/>
-              <a:t>More dichotomies</a:t>
+              <a:t>What is a research problem? question? aim? goal?</a:t>
+            </a:r>
+          </a:p>
+          <a:p>
+            <a:pPr lvl="1"/>
+            <a:r>
+              <a:rPr/>
+              <a:t>Sources of research problems</a:t>
             </a:r>
           </a:p>
           <a:p>
             <a:pPr lvl="2"/>
             <a:r>
               <a:rPr/>
-              <a:t>Broad vs Narrow</a:t>
+              <a:t>Read</a:t>
             </a:r>
           </a:p>
           <a:p>
             <a:pPr lvl="2"/>
             <a:r>
               <a:rPr/>
-              <a:t>Widespread vs Limited interest</a:t>
+              <a:t>Listen</a:t>
             </a:r>
           </a:p>
           <a:p>
             <a:pPr lvl="2"/>
             <a:r>
               <a:rPr/>
-              <a:t>Well-researched vs Unknown territory</a:t>
+              <a:t>Observe</a:t>
             </a:r>
           </a:p>
         </p:txBody>
@@ -61512,23 +61483,15 @@
             </a:pPr>
             <a:r>
               <a:rPr/>
-              <a:t>Considerations</a:t>
-            </a:r>
-            <a:r>
-              <a:rPr/>
-              <a:t> </a:t>
-            </a:r>
-            <a:r>
-              <a:rPr/>
-              <a:t>in</a:t>
-            </a:r>
-            <a:r>
-              <a:rPr/>
-              <a:t> </a:t>
-            </a:r>
-            <a:r>
-              <a:rPr/>
-              <a:t>Choosing</a:t>
+              <a:t>Characteristics</a:t>
+            </a:r>
+            <a:r>
+              <a:rPr/>
+              <a:t> </a:t>
+            </a:r>
+            <a:r>
+              <a:rPr/>
+              <a:t>of</a:t>
             </a:r>
             <a:r>
               <a:rPr/>
@@ -61544,7 +61507,23 @@
             </a:r>
             <a:r>
               <a:rPr/>
-              <a:t>Topic</a:t>
+              <a:t>good</a:t>
+            </a:r>
+            <a:r>
+              <a:rPr/>
+              <a:t> </a:t>
+            </a:r>
+            <a:r>
+              <a:rPr/>
+              <a:t>research</a:t>
+            </a:r>
+            <a:r>
+              <a:rPr/>
+              <a:t> </a:t>
+            </a:r>
+            <a:r>
+              <a:rPr/>
+              <a:t>problem</a:t>
             </a:r>
           </a:p>
         </p:txBody>
@@ -61567,78 +61546,28 @@
             <a:pPr lvl="1"/>
             <a:r>
               <a:rPr/>
-              <a:t>Interest and enthusiasm</a:t>
-            </a:r>
-          </a:p>
-          <a:p>
-            <a:pPr lvl="1"/>
-            <a:r>
-              <a:rPr/>
-              <a:t>Resources</a:t>
+              <a:t>More dichotomies</a:t>
             </a:r>
           </a:p>
           <a:p>
             <a:pPr lvl="2"/>
             <a:r>
               <a:rPr/>
-              <a:t>Time</a:t>
+              <a:t>Broad vs Narrow</a:t>
             </a:r>
           </a:p>
           <a:p>
             <a:pPr lvl="2"/>
             <a:r>
               <a:rPr/>
-              <a:t>Cost</a:t>
+              <a:t>Widespread vs Limited interest</a:t>
             </a:r>
           </a:p>
           <a:p>
             <a:pPr lvl="2"/>
             <a:r>
               <a:rPr/>
-              <a:t>Support</a:t>
-            </a:r>
-          </a:p>
-          <a:p>
-            <a:pPr lvl="2"/>
-            <a:r>
-              <a:rPr/>
-              <a:t>Access</a:t>
-            </a:r>
-          </a:p>
-          <a:p>
-            <a:pPr lvl="2"/>
-            <a:r>
-              <a:rPr/>
-              <a:t>Control</a:t>
-            </a:r>
-          </a:p>
-          <a:p>
-            <a:pPr lvl="1"/>
-            <a:r>
-              <a:rPr/>
-              <a:t>Scope of the problem</a:t>
-            </a:r>
-          </a:p>
-          <a:p>
-            <a:pPr lvl="1"/>
-            <a:r>
-              <a:rPr/>
-              <a:t>Contribution to the profession</a:t>
-            </a:r>
-          </a:p>
-          <a:p>
-            <a:pPr lvl="2"/>
-            <a:r>
-              <a:rPr/>
-              <a:t>Adapted from Cottrell &amp; McKenzie. </a:t>
-            </a:r>
-            <a:r>
-              <a:rPr i="1"/>
-              <a:t>Health Promotion &amp; Education Research Methods</a:t>
-            </a:r>
-            <a:r>
-              <a:rPr/>
-              <a:t> . 2005.</a:t>
+              <a:t>Well-researched vs Unknown territory</a:t>
             </a:r>
           </a:p>
         </p:txBody>
@@ -61685,7 +61614,23 @@
             </a:pPr>
             <a:r>
               <a:rPr/>
-              <a:t>Planning</a:t>
+              <a:t>Considerations</a:t>
+            </a:r>
+            <a:r>
+              <a:rPr/>
+              <a:t> </a:t>
+            </a:r>
+            <a:r>
+              <a:rPr/>
+              <a:t>in</a:t>
+            </a:r>
+            <a:r>
+              <a:rPr/>
+              <a:t> </a:t>
+            </a:r>
+            <a:r>
+              <a:rPr/>
+              <a:t>Choosing</a:t>
             </a:r>
             <a:r>
               <a:rPr/>
@@ -61701,15 +61646,7 @@
             </a:r>
             <a:r>
               <a:rPr/>
-              <a:t>Research</a:t>
-            </a:r>
-            <a:r>
-              <a:rPr/>
-              <a:t> </a:t>
-            </a:r>
-            <a:r>
-              <a:rPr/>
-              <a:t>Project</a:t>
+              <a:t>Topic</a:t>
             </a:r>
           </a:p>
         </p:txBody>
@@ -61732,35 +61669,78 @@
             <a:pPr lvl="1"/>
             <a:r>
               <a:rPr/>
-              <a:t>What should NOT drive picking a research question</a:t>
+              <a:t>Interest and enthusiasm</a:t>
+            </a:r>
+          </a:p>
+          <a:p>
+            <a:pPr lvl="1"/>
+            <a:r>
+              <a:rPr/>
+              <a:t>Resources</a:t>
             </a:r>
           </a:p>
           <a:p>
             <a:pPr lvl="2"/>
             <a:r>
               <a:rPr/>
-              <a:t>A specific research methodology</a:t>
+              <a:t>Time</a:t>
             </a:r>
           </a:p>
           <a:p>
             <a:pPr lvl="2"/>
             <a:r>
               <a:rPr/>
-              <a:t>A specific funding opportunity</a:t>
+              <a:t>Cost</a:t>
             </a:r>
           </a:p>
           <a:p>
             <a:pPr lvl="2"/>
             <a:r>
               <a:rPr/>
-              <a:t>A publication-focused motivation</a:t>
+              <a:t>Support</a:t>
+            </a:r>
+          </a:p>
+          <a:p>
+            <a:pPr lvl="2"/>
+            <a:r>
+              <a:rPr/>
+              <a:t>Access</a:t>
+            </a:r>
+          </a:p>
+          <a:p>
+            <a:pPr lvl="2"/>
+            <a:r>
+              <a:rPr/>
+              <a:t>Control</a:t>
             </a:r>
           </a:p>
           <a:p>
             <a:pPr lvl="1"/>
             <a:r>
               <a:rPr/>
-              <a:t>Always publish your work.</a:t>
+              <a:t>Scope of the problem</a:t>
+            </a:r>
+          </a:p>
+          <a:p>
+            <a:pPr lvl="1"/>
+            <a:r>
+              <a:rPr/>
+              <a:t>Contribution to the profession</a:t>
+            </a:r>
+          </a:p>
+          <a:p>
+            <a:pPr lvl="2"/>
+            <a:r>
+              <a:rPr/>
+              <a:t>Adapted from Cottrell &amp; McKenzie. </a:t>
+            </a:r>
+            <a:r>
+              <a:rPr i="1"/>
+              <a:t>Health Promotion &amp; Education Research Methods</a:t>
+            </a:r>
+            <a:r>
+              <a:rPr/>
+              <a:t> . 2005.</a:t>
             </a:r>
           </a:p>
         </p:txBody>
@@ -61807,15 +61787,31 @@
             </a:pPr>
             <a:r>
               <a:rPr/>
-              <a:t>FINER</a:t>
-            </a:r>
-            <a:r>
-              <a:rPr/>
-              <a:t> </a:t>
-            </a:r>
-            <a:r>
-              <a:rPr/>
-              <a:t>criteria</a:t>
+              <a:t>Planning</a:t>
+            </a:r>
+            <a:r>
+              <a:rPr/>
+              <a:t> </a:t>
+            </a:r>
+            <a:r>
+              <a:rPr/>
+              <a:t>a</a:t>
+            </a:r>
+            <a:r>
+              <a:rPr/>
+              <a:t> </a:t>
+            </a:r>
+            <a:r>
+              <a:rPr/>
+              <a:t>Research</a:t>
+            </a:r>
+            <a:r>
+              <a:rPr/>
+              <a:t> </a:t>
+            </a:r>
+            <a:r>
+              <a:rPr/>
+              <a:t>Project</a:t>
             </a:r>
           </a:p>
         </p:txBody>
@@ -61838,50 +61834,35 @@
             <a:pPr lvl="1"/>
             <a:r>
               <a:rPr/>
-              <a:t>Feasible</a:t>
+              <a:t>What should NOT drive picking a research question</a:t>
+            </a:r>
+          </a:p>
+          <a:p>
+            <a:pPr lvl="2"/>
+            <a:r>
+              <a:rPr/>
+              <a:t>A specific research methodology</a:t>
+            </a:r>
+          </a:p>
+          <a:p>
+            <a:pPr lvl="2"/>
+            <a:r>
+              <a:rPr/>
+              <a:t>A specific funding opportunity</a:t>
+            </a:r>
+          </a:p>
+          <a:p>
+            <a:pPr lvl="2"/>
+            <a:r>
+              <a:rPr/>
+              <a:t>A publication-focused motivation</a:t>
             </a:r>
           </a:p>
           <a:p>
             <a:pPr lvl="1"/>
             <a:r>
               <a:rPr/>
-              <a:t>Interesting</a:t>
-            </a:r>
-          </a:p>
-          <a:p>
-            <a:pPr lvl="1"/>
-            <a:r>
-              <a:rPr/>
-              <a:t>Novel</a:t>
-            </a:r>
-          </a:p>
-          <a:p>
-            <a:pPr lvl="1"/>
-            <a:r>
-              <a:rPr/>
-              <a:t>Ethical</a:t>
-            </a:r>
-          </a:p>
-          <a:p>
-            <a:pPr lvl="1"/>
-            <a:r>
-              <a:rPr/>
-              <a:t>Relevant</a:t>
-            </a:r>
-          </a:p>
-          <a:p>
-            <a:pPr lvl="2"/>
-            <a:r>
-              <a:rPr/>
-              <a:t>Hulley, Cummings, Browner, Grady, Hearst, &amp; Newman. </a:t>
-            </a:r>
-            <a:r>
-              <a:rPr i="1"/>
-              <a:t>Designing Clinical Research</a:t>
-            </a:r>
-            <a:r>
-              <a:rPr/>
-              <a:t> . 2001.</a:t>
+              <a:t>Always publish your work.</a:t>
             </a:r>
           </a:p>
         </p:txBody>
@@ -61928,31 +61909,15 @@
             </a:pPr>
             <a:r>
               <a:rPr/>
-              <a:t>Developing</a:t>
-            </a:r>
-            <a:r>
-              <a:rPr/>
-              <a:t> </a:t>
-            </a:r>
-            <a:r>
-              <a:rPr/>
-              <a:t>a</a:t>
-            </a:r>
-            <a:r>
-              <a:rPr/>
-              <a:t> </a:t>
-            </a:r>
-            <a:r>
-              <a:rPr/>
-              <a:t>research</a:t>
-            </a:r>
-            <a:r>
-              <a:rPr/>
-              <a:t> </a:t>
-            </a:r>
-            <a:r>
-              <a:rPr/>
-              <a:t>hypothesis</a:t>
+              <a:t>Break</a:t>
+            </a:r>
+            <a:r>
+              <a:rPr/>
+              <a:t> </a:t>
+            </a:r>
+            <a:r>
+              <a:rPr/>
+              <a:t>#2</a:t>
             </a:r>
           </a:p>
         </p:txBody>
@@ -61975,63 +61940,28 @@
             <a:pPr lvl="1"/>
             <a:r>
               <a:rPr/>
-              <a:t>Identify your research hypothesis early.</a:t>
+              <a:t>What have you learned?</a:t>
+            </a:r>
+          </a:p>
+          <a:p>
+            <a:pPr lvl="2"/>
+            <a:r>
+              <a:rPr/>
+              <a:t>Picking a research topic</a:t>
             </a:r>
           </a:p>
           <a:p>
             <a:pPr lvl="1"/>
             <a:r>
               <a:rPr/>
-              <a:t>Use the PICOTS framework.</a:t>
+              <a:t>What’s coming up next.</a:t>
             </a:r>
           </a:p>
           <a:p>
             <a:pPr lvl="2"/>
             <a:r>
               <a:rPr/>
-              <a:t>P = patient</a:t>
-            </a:r>
-          </a:p>
-          <a:p>
-            <a:pPr lvl="2"/>
-            <a:r>
-              <a:rPr/>
-              <a:t>I = intervention</a:t>
-            </a:r>
-          </a:p>
-          <a:p>
-            <a:pPr lvl="2"/>
-            <a:r>
-              <a:rPr/>
-              <a:t>C = comparison</a:t>
-            </a:r>
-          </a:p>
-          <a:p>
-            <a:pPr lvl="2"/>
-            <a:r>
-              <a:rPr/>
-              <a:t>O = outcome</a:t>
-            </a:r>
-          </a:p>
-          <a:p>
-            <a:pPr lvl="2"/>
-            <a:r>
-              <a:rPr/>
-              <a:t>T = time frame</a:t>
-            </a:r>
-          </a:p>
-          <a:p>
-            <a:pPr lvl="2"/>
-            <a:r>
-              <a:rPr/>
-              <a:t>S = setting</a:t>
-            </a:r>
-          </a:p>
-          <a:p>
-            <a:pPr lvl="1"/>
-            <a:r>
-              <a:rPr/>
-              <a:t>Your hypothesis may change as you delve deeper.</a:t>
+              <a:t>Developing a research hypothesis</a:t>
             </a:r>
           </a:p>
         </p:txBody>
@@ -62170,47 +62100,15 @@
             </a:pPr>
             <a:r>
               <a:rPr/>
-              <a:t>Not</a:t>
-            </a:r>
-            <a:r>
-              <a:rPr/>
-              <a:t> </a:t>
-            </a:r>
-            <a:r>
-              <a:rPr/>
-              <a:t>all</a:t>
-            </a:r>
-            <a:r>
-              <a:rPr/>
-              <a:t> </a:t>
-            </a:r>
-            <a:r>
-              <a:rPr/>
-              <a:t>research</a:t>
-            </a:r>
-            <a:r>
-              <a:rPr/>
-              <a:t> </a:t>
-            </a:r>
-            <a:r>
-              <a:rPr/>
-              <a:t>needs</a:t>
-            </a:r>
-            <a:r>
-              <a:rPr/>
-              <a:t> </a:t>
-            </a:r>
-            <a:r>
-              <a:rPr/>
-              <a:t>a</a:t>
-            </a:r>
-            <a:r>
-              <a:rPr/>
-              <a:t> </a:t>
-            </a:r>
-            <a:r>
-              <a:rPr/>
-              <a:t>hypothesis.</a:t>
+              <a:t>FINER</a:t>
+            </a:r>
+            <a:r>
+              <a:rPr/>
+              <a:t> </a:t>
+            </a:r>
+            <a:r>
+              <a:rPr/>
+              <a:t>criteria</a:t>
             </a:r>
           </a:p>
         </p:txBody>
@@ -62233,21 +62131,50 @@
             <a:pPr lvl="1"/>
             <a:r>
               <a:rPr/>
-              <a:t>Examples</a:t>
+              <a:t>Feasible</a:t>
+            </a:r>
+          </a:p>
+          <a:p>
+            <a:pPr lvl="1"/>
+            <a:r>
+              <a:rPr/>
+              <a:t>Interesting</a:t>
+            </a:r>
+          </a:p>
+          <a:p>
+            <a:pPr lvl="1"/>
+            <a:r>
+              <a:rPr/>
+              <a:t>Novel</a:t>
+            </a:r>
+          </a:p>
+          <a:p>
+            <a:pPr lvl="1"/>
+            <a:r>
+              <a:rPr/>
+              <a:t>Ethical</a:t>
+            </a:r>
+          </a:p>
+          <a:p>
+            <a:pPr lvl="1"/>
+            <a:r>
+              <a:rPr/>
+              <a:t>Relevant</a:t>
             </a:r>
           </a:p>
           <a:p>
             <a:pPr lvl="2"/>
             <a:r>
               <a:rPr/>
-              <a:t>Estimation</a:t>
-            </a:r>
-          </a:p>
-          <a:p>
-            <a:pPr lvl="2"/>
-            <a:r>
-              <a:rPr/>
-              <a:t>Identification</a:t>
+              <a:t>Hulley, Cummings, Browner, Grady, Hearst, &amp; Newman. </a:t>
+            </a:r>
+            <a:r>
+              <a:rPr i="1"/>
+              <a:t>Designing Clinical Research</a:t>
+            </a:r>
+            <a:r>
+              <a:rPr/>
+              <a:t> . 2001.</a:t>
             </a:r>
           </a:p>
         </p:txBody>
@@ -62294,31 +62221,31 @@
             </a:pPr>
             <a:r>
               <a:rPr/>
-              <a:t>Three</a:t>
-            </a:r>
-            <a:r>
-              <a:rPr/>
-              <a:t> </a:t>
-            </a:r>
-            <a:r>
-              <a:rPr/>
-              <a:t>types</a:t>
-            </a:r>
-            <a:r>
-              <a:rPr/>
-              <a:t> </a:t>
-            </a:r>
-            <a:r>
-              <a:rPr/>
-              <a:t>of</a:t>
-            </a:r>
-            <a:r>
-              <a:rPr/>
-              <a:t> </a:t>
-            </a:r>
-            <a:r>
-              <a:rPr/>
-              <a:t>variables.</a:t>
+              <a:t>Developing</a:t>
+            </a:r>
+            <a:r>
+              <a:rPr/>
+              <a:t> </a:t>
+            </a:r>
+            <a:r>
+              <a:rPr/>
+              <a:t>a</a:t>
+            </a:r>
+            <a:r>
+              <a:rPr/>
+              <a:t> </a:t>
+            </a:r>
+            <a:r>
+              <a:rPr/>
+              <a:t>research</a:t>
+            </a:r>
+            <a:r>
+              <a:rPr/>
+              <a:t> </a:t>
+            </a:r>
+            <a:r>
+              <a:rPr/>
+              <a:t>hypothesis</a:t>
             </a:r>
           </a:p>
         </p:txBody>
@@ -62341,35 +62268,63 @@
             <a:pPr lvl="1"/>
             <a:r>
               <a:rPr/>
-              <a:t>Outcome variable(s)</a:t>
+              <a:t>Identify your research hypothesis early.</a:t>
             </a:r>
           </a:p>
           <a:p>
             <a:pPr lvl="1"/>
             <a:r>
               <a:rPr/>
-              <a:t>Independent variable(s)</a:t>
+              <a:t>Use the PICOTS framework.</a:t>
             </a:r>
           </a:p>
           <a:p>
             <a:pPr lvl="2"/>
             <a:r>
               <a:rPr/>
-              <a:t>Active</a:t>
+              <a:t>P = patient</a:t>
             </a:r>
           </a:p>
           <a:p>
             <a:pPr lvl="2"/>
             <a:r>
               <a:rPr/>
-              <a:t>Attribute</a:t>
+              <a:t>I = intervention</a:t>
+            </a:r>
+          </a:p>
+          <a:p>
+            <a:pPr lvl="2"/>
+            <a:r>
+              <a:rPr/>
+              <a:t>C = comparison</a:t>
+            </a:r>
+          </a:p>
+          <a:p>
+            <a:pPr lvl="2"/>
+            <a:r>
+              <a:rPr/>
+              <a:t>O = outcome</a:t>
+            </a:r>
+          </a:p>
+          <a:p>
+            <a:pPr lvl="2"/>
+            <a:r>
+              <a:rPr/>
+              <a:t>T = time frame</a:t>
+            </a:r>
+          </a:p>
+          <a:p>
+            <a:pPr lvl="2"/>
+            <a:r>
+              <a:rPr/>
+              <a:t>S = setting</a:t>
             </a:r>
           </a:p>
           <a:p>
             <a:pPr lvl="1"/>
             <a:r>
               <a:rPr/>
-              <a:t>Covariates</a:t>
+              <a:t>Your hypothesis may change as you delve deeper.</a:t>
             </a:r>
           </a:p>
         </p:txBody>
@@ -62416,31 +62371,47 @@
             </a:pPr>
             <a:r>
               <a:rPr/>
-              <a:t>Three</a:t>
-            </a:r>
-            <a:r>
-              <a:rPr/>
-              <a:t> </a:t>
-            </a:r>
-            <a:r>
-              <a:rPr/>
-              <a:t>types</a:t>
-            </a:r>
-            <a:r>
-              <a:rPr/>
-              <a:t> </a:t>
-            </a:r>
-            <a:r>
-              <a:rPr/>
-              <a:t>of</a:t>
-            </a:r>
-            <a:r>
-              <a:rPr/>
-              <a:t> </a:t>
-            </a:r>
-            <a:r>
-              <a:rPr/>
-              <a:t>analyses</a:t>
+              <a:t>Not</a:t>
+            </a:r>
+            <a:r>
+              <a:rPr/>
+              <a:t> </a:t>
+            </a:r>
+            <a:r>
+              <a:rPr/>
+              <a:t>all</a:t>
+            </a:r>
+            <a:r>
+              <a:rPr/>
+              <a:t> </a:t>
+            </a:r>
+            <a:r>
+              <a:rPr/>
+              <a:t>research</a:t>
+            </a:r>
+            <a:r>
+              <a:rPr/>
+              <a:t> </a:t>
+            </a:r>
+            <a:r>
+              <a:rPr/>
+              <a:t>needs</a:t>
+            </a:r>
+            <a:r>
+              <a:rPr/>
+              <a:t> </a:t>
+            </a:r>
+            <a:r>
+              <a:rPr/>
+              <a:t>a</a:t>
+            </a:r>
+            <a:r>
+              <a:rPr/>
+              <a:t> </a:t>
+            </a:r>
+            <a:r>
+              <a:rPr/>
+              <a:t>hypothesis.</a:t>
             </a:r>
           </a:p>
         </p:txBody>
@@ -62463,60 +62434,21 @@
             <a:pPr lvl="1"/>
             <a:r>
               <a:rPr/>
-              <a:t>Difference</a:t>
+              <a:t>Examples</a:t>
             </a:r>
           </a:p>
           <a:p>
             <a:pPr lvl="2"/>
             <a:r>
               <a:rPr/>
-              <a:t>A - B &gt; 0</a:t>
-            </a:r>
-          </a:p>
-          <a:p>
-            <a:pPr lvl="1"/>
-            <a:r>
-              <a:rPr/>
-              <a:t>Associational</a:t>
+              <a:t>Estimation</a:t>
             </a:r>
           </a:p>
           <a:p>
             <a:pPr lvl="2"/>
             <a:r>
               <a:rPr/>
-              <a:t>A and B are correlated</a:t>
-            </a:r>
-          </a:p>
-          <a:p>
-            <a:pPr lvl="1"/>
-            <a:r>
-              <a:rPr/>
-              <a:t>Descriptive</a:t>
-            </a:r>
-          </a:p>
-          <a:p>
-            <a:pPr lvl="2"/>
-            <a:r>
-              <a:rPr/>
-              <a:t>Means, standard deviations, or proportions of A and B.</a:t>
-            </a:r>
-          </a:p>
-          <a:p>
-            <a:pPr lvl="0" marL="0" indent="0">
-              <a:buNone/>
-            </a:pPr>
-            <a:r>
-              <a:rPr/>
-              <a:t>These categories are not mutally exclusive.</a:t>
-            </a:r>
-          </a:p>
-          <a:p>
-            <a:pPr lvl="0" marL="0" indent="0">
-              <a:buNone/>
-            </a:pPr>
-            <a:r>
-              <a:rPr/>
-              <a:t>Note that a research study might involve + Analyses associated with each type of RH/RQ</a:t>
+              <a:t>Identification</a:t>
             </a:r>
           </a:p>
         </p:txBody>
@@ -62563,15 +62495,15 @@
             </a:pPr>
             <a:r>
               <a:rPr/>
-              <a:t>Schematic</a:t>
-            </a:r>
-            <a:r>
-              <a:rPr/>
-              <a:t> </a:t>
-            </a:r>
-            <a:r>
-              <a:rPr/>
-              <a:t>diagram</a:t>
+              <a:t>Three</a:t>
+            </a:r>
+            <a:r>
+              <a:rPr/>
+              <a:t> </a:t>
+            </a:r>
+            <a:r>
+              <a:rPr/>
+              <a:t>types</a:t>
             </a:r>
             <a:r>
               <a:rPr/>
@@ -62587,49 +62519,62 @@
             </a:r>
             <a:r>
               <a:rPr/>
-              <a:t>research</a:t>
-            </a:r>
-            <a:r>
-              <a:rPr/>
-              <a:t> </a:t>
-            </a:r>
-            <a:r>
-              <a:rPr/>
-              <a:t>approaches</a:t>
+              <a:t>variables.</a:t>
             </a:r>
           </a:p>
         </p:txBody>
       </p:sp>
-      <p:pic>
-        <p:nvPicPr>
-          <p:cNvPr descr="../images/image-02-03.png" id="0" name="Picture 1"/>
-          <p:cNvPicPr>
-            <a:picLocks noGrp="1" noChangeAspect="1"/>
-          </p:cNvPicPr>
-          <p:nvPr/>
-        </p:nvPicPr>
-        <p:blipFill>
-          <a:blip r:embed="rId3"/>
-          <a:stretch>
-            <a:fillRect/>
-          </a:stretch>
-        </p:blipFill>
-        <p:spPr bwMode="auto">
-          <a:xfrm>
-            <a:off x="1879600" y="1600200"/>
-            <a:ext cx="5384800" cy="4521200"/>
-          </a:xfrm>
-          <a:prstGeom prst="rect">
-            <a:avLst/>
-          </a:prstGeom>
-          <a:noFill/>
-          <a:ln w="9525">
-            <a:noFill/>
-            <a:headEnd/>
-            <a:tailEnd/>
-          </a:ln>
-        </p:spPr>
-      </p:pic>
+      <p:sp>
+        <p:nvSpPr>
+          <p:cNvPr id="3" name="Content Placeholder 2"/>
+          <p:cNvSpPr>
+            <a:spLocks noGrp="1"/>
+          </p:cNvSpPr>
+          <p:nvPr>
+            <p:ph idx="1"/>
+          </p:nvPr>
+        </p:nvSpPr>
+        <p:spPr/>
+        <p:txBody>
+          <a:bodyPr/>
+          <a:lstStyle/>
+          <a:p>
+            <a:pPr lvl="1"/>
+            <a:r>
+              <a:rPr/>
+              <a:t>Outcome variable(s)</a:t>
+            </a:r>
+          </a:p>
+          <a:p>
+            <a:pPr lvl="1"/>
+            <a:r>
+              <a:rPr/>
+              <a:t>Independent variable(s)</a:t>
+            </a:r>
+          </a:p>
+          <a:p>
+            <a:pPr lvl="2"/>
+            <a:r>
+              <a:rPr/>
+              <a:t>Active</a:t>
+            </a:r>
+          </a:p>
+          <a:p>
+            <a:pPr lvl="2"/>
+            <a:r>
+              <a:rPr/>
+              <a:t>Attribute</a:t>
+            </a:r>
+          </a:p>
+          <a:p>
+            <a:pPr lvl="1"/>
+            <a:r>
+              <a:rPr/>
+              <a:t>Covariates</a:t>
+            </a:r>
+          </a:p>
+        </p:txBody>
+      </p:sp>
     </p:spTree>
   </p:cSld>
 </p:sld>
@@ -62672,31 +62617,31 @@
             </a:pPr>
             <a:r>
               <a:rPr/>
-              <a:t>Landmarks</a:t>
-            </a:r>
-            <a:r>
-              <a:rPr/>
-              <a:t> </a:t>
-            </a:r>
-            <a:r>
-              <a:rPr/>
-              <a:t>in</a:t>
-            </a:r>
-            <a:r>
-              <a:rPr/>
-              <a:t> </a:t>
-            </a:r>
-            <a:r>
-              <a:rPr/>
-              <a:t>research</a:t>
-            </a:r>
-            <a:r>
-              <a:rPr/>
-              <a:t> </a:t>
-            </a:r>
-            <a:r>
-              <a:rPr/>
-              <a:t>ethics</a:t>
+              <a:t>Three</a:t>
+            </a:r>
+            <a:r>
+              <a:rPr/>
+              <a:t> </a:t>
+            </a:r>
+            <a:r>
+              <a:rPr/>
+              <a:t>types</a:t>
+            </a:r>
+            <a:r>
+              <a:rPr/>
+              <a:t> </a:t>
+            </a:r>
+            <a:r>
+              <a:rPr/>
+              <a:t>of</a:t>
+            </a:r>
+            <a:r>
+              <a:rPr/>
+              <a:t> </a:t>
+            </a:r>
+            <a:r>
+              <a:rPr/>
+              <a:t>analyses</a:t>
             </a:r>
           </a:p>
         </p:txBody>
@@ -62719,42 +62664,60 @@
             <a:pPr lvl="1"/>
             <a:r>
               <a:rPr/>
-              <a:t>Federal Food, Drug, and cosmetic Act (1938)</a:t>
+              <a:t>Difference</a:t>
+            </a:r>
+          </a:p>
+          <a:p>
+            <a:pPr lvl="2"/>
+            <a:r>
+              <a:rPr/>
+              <a:t>A - B &gt; 0</a:t>
             </a:r>
           </a:p>
           <a:p>
             <a:pPr lvl="1"/>
             <a:r>
               <a:rPr/>
-              <a:t>Nuremberg code (1947)</a:t>
+              <a:t>Associational</a:t>
+            </a:r>
+          </a:p>
+          <a:p>
+            <a:pPr lvl="2"/>
+            <a:r>
+              <a:rPr/>
+              <a:t>A and B are correlated</a:t>
             </a:r>
           </a:p>
           <a:p>
             <a:pPr lvl="1"/>
             <a:r>
               <a:rPr/>
-              <a:t>Declaration of Helsinki (1964)</a:t>
+              <a:t>Descriptive</a:t>
             </a:r>
           </a:p>
           <a:p>
-            <a:pPr lvl="1"/>
-            <a:r>
-              <a:rPr/>
-              <a:t>Belmont report (1978)</a:t>
+            <a:pPr lvl="2"/>
+            <a:r>
+              <a:rPr/>
+              <a:t>Means, standard deviations, or proportions of A and B.</a:t>
             </a:r>
           </a:p>
           <a:p>
-            <a:pPr lvl="1"/>
-            <a:r>
-              <a:rPr/>
-              <a:t>Title 45 of the Code of Federal Regulations, Part 46 (1981)</a:t>
+            <a:pPr lvl="0" marL="0" indent="0">
+              <a:buNone/>
+            </a:pPr>
+            <a:r>
+              <a:rPr/>
+              <a:t>These categories are not mutally exclusive.</a:t>
             </a:r>
           </a:p>
           <a:p>
-            <a:pPr lvl="1"/>
-            <a:r>
-              <a:rPr/>
-              <a:t>Health Insurance Portability and Accountability Act (1996)</a:t>
+            <a:pPr lvl="0" marL="0" indent="0">
+              <a:buNone/>
+            </a:pPr>
+            <a:r>
+              <a:rPr/>
+              <a:t>Note that a research study might involve + Analyses associated with each type of RH/RQ</a:t>
             </a:r>
           </a:p>
         </p:txBody>
@@ -62801,15 +62764,23 @@
             </a:pPr>
             <a:r>
               <a:rPr/>
-              <a:t>Landmarks</a:t>
-            </a:r>
-            <a:r>
-              <a:rPr/>
-              <a:t> </a:t>
-            </a:r>
-            <a:r>
-              <a:rPr/>
-              <a:t>in</a:t>
+              <a:t>Schematic</a:t>
+            </a:r>
+            <a:r>
+              <a:rPr/>
+              <a:t> </a:t>
+            </a:r>
+            <a:r>
+              <a:rPr/>
+              <a:t>diagram</a:t>
+            </a:r>
+            <a:r>
+              <a:rPr/>
+              <a:t> </a:t>
+            </a:r>
+            <a:r>
+              <a:rPr/>
+              <a:t>of</a:t>
             </a:r>
             <a:r>
               <a:rPr/>
@@ -62825,62 +62796,41 @@
             </a:r>
             <a:r>
               <a:rPr/>
-              <a:t>ethics</a:t>
+              <a:t>approaches</a:t>
             </a:r>
           </a:p>
         </p:txBody>
       </p:sp>
-      <p:sp>
-        <p:nvSpPr>
-          <p:cNvPr id="3" name="Content Placeholder 2"/>
-          <p:cNvSpPr>
-            <a:spLocks noGrp="1"/>
-          </p:cNvSpPr>
-          <p:nvPr>
-            <p:ph idx="1"/>
-          </p:nvPr>
-        </p:nvSpPr>
-        <p:spPr/>
-        <p:txBody>
-          <a:bodyPr/>
-          <a:lstStyle/>
-          <a:p>
-            <a:pPr lvl="1"/>
-            <a:r>
-              <a:rPr/>
-              <a:t>Pure Food and Drugs Act (1906)</a:t>
-            </a:r>
-          </a:p>
-          <a:p>
-            <a:pPr lvl="1"/>
-            <a:r>
-              <a:rPr/>
-              <a:t>Federal Food, Drug, and cosmetic Act (1938)</a:t>
-            </a:r>
-          </a:p>
-          <a:p>
-            <a:pPr lvl="1"/>
-            <a:r>
-              <a:rPr/>
-              <a:t>Kefauver Harris amendments (1962)</a:t>
-            </a:r>
-          </a:p>
-          <a:p>
-            <a:pPr lvl="1"/>
-            <a:r>
-              <a:rPr/>
-              <a:t>FDA Modernization Act (1997)</a:t>
-            </a:r>
-          </a:p>
-          <a:p>
-            <a:pPr lvl="1"/>
-            <a:r>
-              <a:rPr/>
-              <a:t>Best Pharmaceuticals for Children Act (2002)</a:t>
-            </a:r>
-          </a:p>
-        </p:txBody>
-      </p:sp>
+      <p:pic>
+        <p:nvPicPr>
+          <p:cNvPr descr="../images/image-02-03.png" id="0" name="Picture 1"/>
+          <p:cNvPicPr>
+            <a:picLocks noGrp="1" noChangeAspect="1"/>
+          </p:cNvPicPr>
+          <p:nvPr/>
+        </p:nvPicPr>
+        <p:blipFill>
+          <a:blip r:embed="rId3"/>
+          <a:stretch>
+            <a:fillRect/>
+          </a:stretch>
+        </p:blipFill>
+        <p:spPr bwMode="auto">
+          <a:xfrm>
+            <a:off x="1879600" y="1600200"/>
+            <a:ext cx="5384800" cy="4521200"/>
+          </a:xfrm>
+          <a:prstGeom prst="rect">
+            <a:avLst/>
+          </a:prstGeom>
+          <a:noFill/>
+          <a:ln w="9525">
+            <a:noFill/>
+            <a:headEnd/>
+            <a:tailEnd/>
+          </a:ln>
+        </p:spPr>
+      </p:pic>
     </p:spTree>
   </p:cSld>
 </p:sld>
@@ -62923,47 +62873,15 @@
             </a:pPr>
             <a:r>
               <a:rPr/>
-              <a:t>Does</a:t>
-            </a:r>
-            <a:r>
-              <a:rPr/>
-              <a:t> </a:t>
-            </a:r>
-            <a:r>
-              <a:rPr/>
-              <a:t>my</a:t>
-            </a:r>
-            <a:r>
-              <a:rPr/>
-              <a:t> </a:t>
-            </a:r>
-            <a:r>
-              <a:rPr/>
-              <a:t>study</a:t>
-            </a:r>
-            <a:r>
-              <a:rPr/>
-              <a:t> </a:t>
-            </a:r>
-            <a:r>
-              <a:rPr/>
-              <a:t>need</a:t>
-            </a:r>
-            <a:r>
-              <a:rPr/>
-              <a:t> </a:t>
-            </a:r>
-            <a:r>
-              <a:rPr/>
-              <a:t>IRB</a:t>
-            </a:r>
-            <a:r>
-              <a:rPr/>
-              <a:t> </a:t>
-            </a:r>
-            <a:r>
-              <a:rPr/>
-              <a:t>approval</a:t>
+              <a:t>Break</a:t>
+            </a:r>
+            <a:r>
+              <a:rPr/>
+              <a:t> </a:t>
+            </a:r>
+            <a:r>
+              <a:rPr/>
+              <a:t>#3</a:t>
             </a:r>
           </a:p>
         </p:txBody>
@@ -62986,56 +62904,28 @@
             <a:pPr lvl="1"/>
             <a:r>
               <a:rPr/>
-              <a:t>Is it research?</a:t>
+              <a:t>What have you learned?</a:t>
             </a:r>
           </a:p>
           <a:p>
             <a:pPr lvl="2"/>
             <a:r>
               <a:rPr/>
-              <a:t>Designed in advance</a:t>
+              <a:t>Developing a research hypothesis</a:t>
+            </a:r>
+          </a:p>
+          <a:p>
+            <a:pPr lvl="1"/>
+            <a:r>
+              <a:rPr/>
+              <a:t>What’s coming up next?</a:t>
             </a:r>
           </a:p>
           <a:p>
             <a:pPr lvl="2"/>
             <a:r>
               <a:rPr/>
-              <a:t>Systematic approach</a:t>
-            </a:r>
-          </a:p>
-          <a:p>
-            <a:pPr lvl="2"/>
-            <a:r>
-              <a:rPr/>
-              <a:t>Generalizable knowledge</a:t>
-            </a:r>
-          </a:p>
-          <a:p>
-            <a:pPr lvl="2"/>
-            <a:r>
-              <a:rPr/>
-              <a:t>Quality improvement versus research</a:t>
-            </a:r>
-          </a:p>
-          <a:p>
-            <a:pPr lvl="1"/>
-            <a:r>
-              <a:rPr/>
-              <a:t>Does it involve human subjects?</a:t>
-            </a:r>
-          </a:p>
-          <a:p>
-            <a:pPr lvl="2"/>
-            <a:r>
-              <a:rPr/>
-              <a:t>interaction with a person, or</a:t>
-            </a:r>
-          </a:p>
-          <a:p>
-            <a:pPr lvl="2"/>
-            <a:r>
-              <a:rPr/>
-              <a:t>use of private information.</a:t>
+              <a:t>Ethical issues in research</a:t>
             </a:r>
           </a:p>
         </p:txBody>
@@ -63082,31 +62972,31 @@
             </a:pPr>
             <a:r>
               <a:rPr/>
-              <a:t>IRB</a:t>
-            </a:r>
-            <a:r>
-              <a:rPr/>
-              <a:t> </a:t>
-            </a:r>
-            <a:r>
-              <a:rPr/>
-              <a:t>categories</a:t>
-            </a:r>
-            <a:r>
-              <a:rPr/>
-              <a:t> </a:t>
-            </a:r>
-            <a:r>
-              <a:rPr/>
-              <a:t>of</a:t>
-            </a:r>
-            <a:r>
-              <a:rPr/>
-              <a:t> </a:t>
-            </a:r>
-            <a:r>
-              <a:rPr/>
-              <a:t>approval</a:t>
+              <a:t>Landmarks</a:t>
+            </a:r>
+            <a:r>
+              <a:rPr/>
+              <a:t> </a:t>
+            </a:r>
+            <a:r>
+              <a:rPr/>
+              <a:t>in</a:t>
+            </a:r>
+            <a:r>
+              <a:rPr/>
+              <a:t> </a:t>
+            </a:r>
+            <a:r>
+              <a:rPr/>
+              <a:t>research</a:t>
+            </a:r>
+            <a:r>
+              <a:rPr/>
+              <a:t> </a:t>
+            </a:r>
+            <a:r>
+              <a:rPr/>
+              <a:t>ethics</a:t>
             </a:r>
           </a:p>
         </p:txBody>
@@ -63129,21 +63019,42 @@
             <a:pPr lvl="1"/>
             <a:r>
               <a:rPr/>
-              <a:t>Exempt from review</a:t>
+              <a:t>Federal Food, Drug, and Cosmetic Act (1938)</a:t>
             </a:r>
           </a:p>
           <a:p>
             <a:pPr lvl="1"/>
             <a:r>
               <a:rPr/>
-              <a:t>Expedited review</a:t>
+              <a:t>Nuremberg code (1947)</a:t>
             </a:r>
           </a:p>
           <a:p>
             <a:pPr lvl="1"/>
             <a:r>
               <a:rPr/>
-              <a:t>Full review</a:t>
+              <a:t>Declaration of Helsinki (1964)</a:t>
+            </a:r>
+          </a:p>
+          <a:p>
+            <a:pPr lvl="1"/>
+            <a:r>
+              <a:rPr/>
+              <a:t>Belmont report (1978)</a:t>
+            </a:r>
+          </a:p>
+          <a:p>
+            <a:pPr lvl="1"/>
+            <a:r>
+              <a:rPr/>
+              <a:t>Title 45 of the Code of Federal Regulations, Part 46 (1981)</a:t>
+            </a:r>
+          </a:p>
+          <a:p>
+            <a:pPr lvl="1"/>
+            <a:r>
+              <a:rPr/>
+              <a:t>Health Insurance Portability and Accountability Act (1996)</a:t>
             </a:r>
           </a:p>
         </p:txBody>
@@ -63190,15 +63101,31 @@
             </a:pPr>
             <a:r>
               <a:rPr/>
-              <a:t>Ethical</a:t>
-            </a:r>
-            <a:r>
-              <a:rPr/>
-              <a:t> </a:t>
-            </a:r>
-            <a:r>
-              <a:rPr/>
-              <a:t>issues</a:t>
+              <a:t>Landmarks</a:t>
+            </a:r>
+            <a:r>
+              <a:rPr/>
+              <a:t> </a:t>
+            </a:r>
+            <a:r>
+              <a:rPr/>
+              <a:t>in</a:t>
+            </a:r>
+            <a:r>
+              <a:rPr/>
+              <a:t> </a:t>
+            </a:r>
+            <a:r>
+              <a:rPr/>
+              <a:t>research</a:t>
+            </a:r>
+            <a:r>
+              <a:rPr/>
+              <a:t> </a:t>
+            </a:r>
+            <a:r>
+              <a:rPr/>
+              <a:t>ethics</a:t>
             </a:r>
           </a:p>
         </p:txBody>
@@ -63221,35 +63148,35 @@
             <a:pPr lvl="1"/>
             <a:r>
               <a:rPr/>
-              <a:t>Conflict of interest</a:t>
+              <a:t>Pure Food and Drugs Act (1906)</a:t>
             </a:r>
           </a:p>
           <a:p>
             <a:pPr lvl="1"/>
             <a:r>
               <a:rPr/>
-              <a:t>Unfavorable risk/benefit ratio</a:t>
+              <a:t>Federal Food, Drug, and cosmetic Act (1938)</a:t>
             </a:r>
           </a:p>
           <a:p>
             <a:pPr lvl="1"/>
             <a:r>
               <a:rPr/>
-              <a:t>Loss of equipoise</a:t>
+              <a:t>Kefauver Harris amendments (1962)</a:t>
             </a:r>
           </a:p>
           <a:p>
             <a:pPr lvl="1"/>
             <a:r>
               <a:rPr/>
-              <a:t>Deception</a:t>
+              <a:t>FDA Modernization Act (1997)</a:t>
             </a:r>
           </a:p>
           <a:p>
             <a:pPr lvl="1"/>
             <a:r>
               <a:rPr/>
-              <a:t>Violating privacy</a:t>
+              <a:t>Best Pharmaceuticals for Children Act (2002)</a:t>
             </a:r>
           </a:p>
         </p:txBody>
@@ -63296,39 +63223,47 @@
             </a:pPr>
             <a:r>
               <a:rPr/>
-              <a:t>Ethical</a:t>
-            </a:r>
-            <a:r>
-              <a:rPr/>
-              <a:t> </a:t>
-            </a:r>
-            <a:r>
-              <a:rPr/>
-              <a:t>concerns</a:t>
-            </a:r>
-            <a:r>
-              <a:rPr/>
-              <a:t> </a:t>
-            </a:r>
-            <a:r>
-              <a:rPr/>
-              <a:t>in</a:t>
-            </a:r>
-            <a:r>
-              <a:rPr/>
-              <a:t> </a:t>
-            </a:r>
-            <a:r>
-              <a:rPr/>
-              <a:t>animal</a:t>
-            </a:r>
-            <a:r>
-              <a:rPr/>
-              <a:t> </a:t>
-            </a:r>
-            <a:r>
-              <a:rPr/>
-              <a:t>studies</a:t>
+              <a:t>Does</a:t>
+            </a:r>
+            <a:r>
+              <a:rPr/>
+              <a:t> </a:t>
+            </a:r>
+            <a:r>
+              <a:rPr/>
+              <a:t>my</a:t>
+            </a:r>
+            <a:r>
+              <a:rPr/>
+              <a:t> </a:t>
+            </a:r>
+            <a:r>
+              <a:rPr/>
+              <a:t>study</a:t>
+            </a:r>
+            <a:r>
+              <a:rPr/>
+              <a:t> </a:t>
+            </a:r>
+            <a:r>
+              <a:rPr/>
+              <a:t>need</a:t>
+            </a:r>
+            <a:r>
+              <a:rPr/>
+              <a:t> </a:t>
+            </a:r>
+            <a:r>
+              <a:rPr/>
+              <a:t>IRB</a:t>
+            </a:r>
+            <a:r>
+              <a:rPr/>
+              <a:t> </a:t>
+            </a:r>
+            <a:r>
+              <a:rPr/>
+              <a:t>approval</a:t>
             </a:r>
           </a:p>
         </p:txBody>
@@ -63351,28 +63286,56 @@
             <a:pPr lvl="1"/>
             <a:r>
               <a:rPr/>
-              <a:t>Review by IACUC.</a:t>
+              <a:t>Is it research?</a:t>
             </a:r>
           </a:p>
           <a:p>
             <a:pPr lvl="2"/>
             <a:r>
               <a:rPr/>
-              <a:t>Mandated by Animal Welfare Act and USDA regulations</a:t>
+              <a:t>Designed in advance</a:t>
             </a:r>
           </a:p>
           <a:p>
             <a:pPr lvl="2"/>
             <a:r>
               <a:rPr/>
-              <a:t>Live vertebrate animals</a:t>
+              <a:t>Systematic approach</a:t>
             </a:r>
           </a:p>
           <a:p>
             <a:pPr lvl="2"/>
             <a:r>
               <a:rPr/>
-              <a:t>Sample size justification</a:t>
+              <a:t>Generalizable knowledge</a:t>
+            </a:r>
+          </a:p>
+          <a:p>
+            <a:pPr lvl="2"/>
+            <a:r>
+              <a:rPr/>
+              <a:t>Quality improvement versus research</a:t>
+            </a:r>
+          </a:p>
+          <a:p>
+            <a:pPr lvl="1"/>
+            <a:r>
+              <a:rPr/>
+              <a:t>Does it involve human subjects?</a:t>
+            </a:r>
+          </a:p>
+          <a:p>
+            <a:pPr lvl="2"/>
+            <a:r>
+              <a:rPr/>
+              <a:t>interaction with a person, or</a:t>
+            </a:r>
+          </a:p>
+          <a:p>
+            <a:pPr lvl="2"/>
+            <a:r>
+              <a:rPr/>
+              <a:t>use of private information.</a:t>
             </a:r>
           </a:p>
         </p:txBody>
@@ -63520,23 +63483,31 @@
             </a:pPr>
             <a:r>
               <a:rPr/>
-              <a:t>Fraud</a:t>
-            </a:r>
-            <a:r>
-              <a:rPr/>
-              <a:t> </a:t>
-            </a:r>
-            <a:r>
-              <a:rPr/>
-              <a:t>in</a:t>
-            </a:r>
-            <a:r>
-              <a:rPr/>
-              <a:t> </a:t>
-            </a:r>
-            <a:r>
-              <a:rPr/>
-              <a:t>research</a:t>
+              <a:t>IRB</a:t>
+            </a:r>
+            <a:r>
+              <a:rPr/>
+              <a:t> </a:t>
+            </a:r>
+            <a:r>
+              <a:rPr/>
+              <a:t>categories</a:t>
+            </a:r>
+            <a:r>
+              <a:rPr/>
+              <a:t> </a:t>
+            </a:r>
+            <a:r>
+              <a:rPr/>
+              <a:t>of</a:t>
+            </a:r>
+            <a:r>
+              <a:rPr/>
+              <a:t> </a:t>
+            </a:r>
+            <a:r>
+              <a:rPr/>
+              <a:t>approval</a:t>
             </a:r>
           </a:p>
         </p:txBody>
@@ -63556,56 +63527,24 @@
           <a:bodyPr/>
           <a:lstStyle/>
           <a:p>
-            <a:pPr lvl="0" marL="0" indent="0">
-              <a:buNone/>
-            </a:pPr>
-            <a:r>
-              <a:rPr/>
-              <a:t>Fraud falls into three broad categories (FFP).</a:t>
+            <a:pPr lvl="1"/>
+            <a:r>
+              <a:rPr/>
+              <a:t>Exempt from review</a:t>
             </a:r>
           </a:p>
           <a:p>
             <a:pPr lvl="1"/>
             <a:r>
               <a:rPr/>
-              <a:t>Fabrication</a:t>
+              <a:t>Expedited review</a:t>
             </a:r>
           </a:p>
           <a:p>
             <a:pPr lvl="1"/>
             <a:r>
               <a:rPr/>
-              <a:t>Falsification</a:t>
-            </a:r>
-          </a:p>
-          <a:p>
-            <a:pPr lvl="2"/>
-            <a:r>
-              <a:rPr/>
-              <a:t>Data alteration</a:t>
-            </a:r>
-          </a:p>
-          <a:p>
-            <a:pPr lvl="2"/>
-            <a:r>
-              <a:rPr/>
-              <a:t>Misreporting</a:t>
-            </a:r>
-          </a:p>
-          <a:p>
-            <a:pPr lvl="1"/>
-            <a:r>
-              <a:rPr/>
-              <a:t>Plagiarism.</a:t>
-            </a:r>
-          </a:p>
-          <a:p>
-            <a:pPr lvl="0" marL="0" indent="0">
-              <a:buNone/>
-            </a:pPr>
-            <a:r>
-              <a:rPr/>
-              <a:t>Note: A difference of scientific opinion does not mean that one party is behaving fraudulently.</a:t>
+              <a:t>Full review</a:t>
             </a:r>
           </a:p>
         </p:txBody>
@@ -63652,39 +63591,15 @@
             </a:pPr>
             <a:r>
               <a:rPr/>
-              <a:t>Research</a:t>
-            </a:r>
-            <a:r>
-              <a:rPr/>
-              <a:t> </a:t>
-            </a:r>
-            <a:r>
-              <a:rPr/>
-              <a:t>misconduct</a:t>
-            </a:r>
-            <a:r>
-              <a:rPr/>
-              <a:t> </a:t>
-            </a:r>
-            <a:r>
-              <a:rPr/>
-              <a:t>(other</a:t>
-            </a:r>
-            <a:r>
-              <a:rPr/>
-              <a:t> </a:t>
-            </a:r>
-            <a:r>
-              <a:rPr/>
-              <a:t>than</a:t>
-            </a:r>
-            <a:r>
-              <a:rPr/>
-              <a:t> </a:t>
-            </a:r>
-            <a:r>
-              <a:rPr/>
-              <a:t>fraud)</a:t>
+              <a:t>Ethical</a:t>
+            </a:r>
+            <a:r>
+              <a:rPr/>
+              <a:t> </a:t>
+            </a:r>
+            <a:r>
+              <a:rPr/>
+              <a:t>issues</a:t>
             </a:r>
           </a:p>
         </p:txBody>
@@ -63707,42 +63622,35 @@
             <a:pPr lvl="1"/>
             <a:r>
               <a:rPr/>
-              <a:t>Inappropriate authorship</a:t>
-            </a:r>
-          </a:p>
-          <a:p>
-            <a:pPr lvl="2"/>
-            <a:r>
-              <a:rPr/>
-              <a:t>Ghost writing</a:t>
-            </a:r>
-          </a:p>
-          <a:p>
-            <a:pPr lvl="2"/>
-            <a:r>
-              <a:rPr/>
-              <a:t>Leaving off deserving authors</a:t>
-            </a:r>
-          </a:p>
-          <a:p>
-            <a:pPr lvl="2"/>
-            <a:r>
-              <a:rPr/>
-              <a:t>“Honorary” authorship</a:t>
+              <a:t>Conflict of interest</a:t>
             </a:r>
           </a:p>
           <a:p>
             <a:pPr lvl="1"/>
             <a:r>
               <a:rPr/>
-              <a:t>Violation of confidentiality</a:t>
+              <a:t>Unfavorable risk/benefit ratio</a:t>
             </a:r>
           </a:p>
           <a:p>
             <a:pPr lvl="1"/>
             <a:r>
               <a:rPr/>
-              <a:t>Sabotage</a:t>
+              <a:t>Loss of equipoise</a:t>
+            </a:r>
+          </a:p>
+          <a:p>
+            <a:pPr lvl="1"/>
+            <a:r>
+              <a:rPr/>
+              <a:t>Deception</a:t>
+            </a:r>
+          </a:p>
+          <a:p>
+            <a:pPr lvl="1"/>
+            <a:r>
+              <a:rPr/>
+              <a:t>Violating privacy</a:t>
             </a:r>
           </a:p>
         </p:txBody>
@@ -63789,15 +63697,39 @@
             </a:pPr>
             <a:r>
               <a:rPr/>
-              <a:t>Whistle</a:t>
-            </a:r>
-            <a:r>
-              <a:rPr/>
-              <a:t> </a:t>
-            </a:r>
-            <a:r>
-              <a:rPr/>
-              <a:t>blowing</a:t>
+              <a:t>Ethical</a:t>
+            </a:r>
+            <a:r>
+              <a:rPr/>
+              <a:t> </a:t>
+            </a:r>
+            <a:r>
+              <a:rPr/>
+              <a:t>concerns</a:t>
+            </a:r>
+            <a:r>
+              <a:rPr/>
+              <a:t> </a:t>
+            </a:r>
+            <a:r>
+              <a:rPr/>
+              <a:t>in</a:t>
+            </a:r>
+            <a:r>
+              <a:rPr/>
+              <a:t> </a:t>
+            </a:r>
+            <a:r>
+              <a:rPr/>
+              <a:t>animal</a:t>
+            </a:r>
+            <a:r>
+              <a:rPr/>
+              <a:t> </a:t>
+            </a:r>
+            <a:r>
+              <a:rPr/>
+              <a:t>studies</a:t>
             </a:r>
           </a:p>
         </p:txBody>
@@ -63820,14 +63752,28 @@
             <a:pPr lvl="1"/>
             <a:r>
               <a:rPr/>
-              <a:t>Failure to report research misconduct is research misconduct</a:t>
+              <a:t>Review by IACUC.</a:t>
             </a:r>
           </a:p>
           <a:p>
-            <a:pPr lvl="1"/>
-            <a:r>
-              <a:rPr/>
-              <a:t>No retaliation for legitimate complaints.</a:t>
+            <a:pPr lvl="2"/>
+            <a:r>
+              <a:rPr/>
+              <a:t>Mandated by Animal Welfare Act and USDA regulations</a:t>
+            </a:r>
+          </a:p>
+          <a:p>
+            <a:pPr lvl="2"/>
+            <a:r>
+              <a:rPr/>
+              <a:t>Live vertebrate animals</a:t>
+            </a:r>
+          </a:p>
+          <a:p>
+            <a:pPr lvl="2"/>
+            <a:r>
+              <a:rPr/>
+              <a:t>Sample size justification</a:t>
             </a:r>
           </a:p>
         </p:txBody>
@@ -63874,15 +63820,23 @@
             </a:pPr>
             <a:r>
               <a:rPr/>
-              <a:t>Whistle</a:t>
-            </a:r>
-            <a:r>
-              <a:rPr/>
-              <a:t> </a:t>
-            </a:r>
-            <a:r>
-              <a:rPr/>
-              <a:t>blowing</a:t>
+              <a:t>Fraud</a:t>
+            </a:r>
+            <a:r>
+              <a:rPr/>
+              <a:t> </a:t>
+            </a:r>
+            <a:r>
+              <a:rPr/>
+              <a:t>in</a:t>
+            </a:r>
+            <a:r>
+              <a:rPr/>
+              <a:t> </a:t>
+            </a:r>
+            <a:r>
+              <a:rPr/>
+              <a:t>research</a:t>
             </a:r>
           </a:p>
         </p:txBody>
@@ -63902,52 +63856,56 @@
           <a:bodyPr/>
           <a:lstStyle/>
           <a:p>
+            <a:pPr lvl="0" marL="0" indent="0">
+              <a:buNone/>
+            </a:pPr>
+            <a:r>
+              <a:rPr/>
+              <a:t>Fraud falls into three broad categories (FFP).</a:t>
+            </a:r>
+          </a:p>
+          <a:p>
             <a:pPr lvl="1"/>
             <a:r>
               <a:rPr/>
-              <a:t>There is more than one avenue for reporting misconduct</a:t>
+              <a:t>Fabrication</a:t>
+            </a:r>
+          </a:p>
+          <a:p>
+            <a:pPr lvl="1"/>
+            <a:r>
+              <a:rPr/>
+              <a:t>Falsification</a:t>
             </a:r>
           </a:p>
           <a:p>
             <a:pPr lvl="2"/>
             <a:r>
               <a:rPr/>
-              <a:t>Do nothing.</a:t>
+              <a:t>Data alteration</a:t>
             </a:r>
           </a:p>
           <a:p>
             <a:pPr lvl="2"/>
             <a:r>
               <a:rPr/>
-              <a:t>Talk with the person directly.</a:t>
+              <a:t>Misreporting</a:t>
             </a:r>
           </a:p>
           <a:p>
-            <a:pPr lvl="2"/>
-            <a:r>
-              <a:rPr/>
-              <a:t>Talk to some of your peers.</a:t>
+            <a:pPr lvl="1"/>
+            <a:r>
+              <a:rPr/>
+              <a:t>Plagiarism.</a:t>
             </a:r>
           </a:p>
           <a:p>
-            <a:pPr lvl="2"/>
-            <a:r>
-              <a:rPr/>
-              <a:t>Talk with your own supervisor.</a:t>
-            </a:r>
-          </a:p>
-          <a:p>
-            <a:pPr lvl="2"/>
-            <a:r>
-              <a:rPr/>
-              <a:t>Talk to a person higher up in the organizational structure</a:t>
-            </a:r>
-          </a:p>
-          <a:p>
-            <a:pPr lvl="2"/>
-            <a:r>
-              <a:rPr/>
-              <a:t>Report a complaint anonymously.</a:t>
+            <a:pPr lvl="0" marL="0" indent="0">
+              <a:buNone/>
+            </a:pPr>
+            <a:r>
+              <a:rPr/>
+              <a:t>Note: A difference of scientific opinion does not mean that one party is behaving fraudulently.</a:t>
             </a:r>
           </a:p>
         </p:txBody>
@@ -64002,7 +63960,31 @@
             </a:r>
             <a:r>
               <a:rPr/>
-              <a:t>Ethics</a:t>
+              <a:t>misconduct</a:t>
+            </a:r>
+            <a:r>
+              <a:rPr/>
+              <a:t> </a:t>
+            </a:r>
+            <a:r>
+              <a:rPr/>
+              <a:t>(other</a:t>
+            </a:r>
+            <a:r>
+              <a:rPr/>
+              <a:t> </a:t>
+            </a:r>
+            <a:r>
+              <a:rPr/>
+              <a:t>than</a:t>
+            </a:r>
+            <a:r>
+              <a:rPr/>
+              <a:t> </a:t>
+            </a:r>
+            <a:r>
+              <a:rPr/>
+              <a:t>fraud)</a:t>
             </a:r>
           </a:p>
         </p:txBody>
@@ -64025,35 +64007,42 @@
             <a:pPr lvl="1"/>
             <a:r>
               <a:rPr/>
-              <a:t>NIH definition (NIH Catalyst, 2001)</a:t>
+              <a:t>Inappropriate authorship</a:t>
+            </a:r>
+          </a:p>
+          <a:p>
+            <a:pPr lvl="2"/>
+            <a:r>
+              <a:rPr/>
+              <a:t>Ghost writing</a:t>
+            </a:r>
+          </a:p>
+          <a:p>
+            <a:pPr lvl="2"/>
+            <a:r>
+              <a:rPr/>
+              <a:t>Leaving off deserving authors</a:t>
+            </a:r>
+          </a:p>
+          <a:p>
+            <a:pPr lvl="2"/>
+            <a:r>
+              <a:rPr/>
+              <a:t>“Honorary” authorship</a:t>
             </a:r>
           </a:p>
           <a:p>
             <a:pPr lvl="1"/>
             <a:r>
               <a:rPr/>
-              <a:t>Scientific/research misconduct is ?</a:t>
+              <a:t>Violation of confidentiality</a:t>
             </a:r>
           </a:p>
           <a:p>
-            <a:pPr lvl="2"/>
-            <a:r>
-              <a:rPr/>
-              <a:t>Fabrication ? inventing data or results</a:t>
-            </a:r>
-          </a:p>
-          <a:p>
-            <a:pPr lvl="2"/>
-            <a:r>
-              <a:rPr/>
-              <a:t>Falsification ? manipulating research materials, equipment, or processes, or changing or omitting data or results</a:t>
-            </a:r>
-          </a:p>
-          <a:p>
-            <a:pPr lvl="2"/>
-            <a:r>
-              <a:rPr/>
-              <a:t>Plagiarism ? appropriation of ideas, processes, results, or words of another person without giving appropriate credit</a:t>
+            <a:pPr lvl="1"/>
+            <a:r>
+              <a:rPr/>
+              <a:t>Sabotage</a:t>
             </a:r>
           </a:p>
         </p:txBody>
@@ -64064,6 +64053,317 @@
 </file>
 
 <file path=ppt/slides/slide35.xml><?xml version="1.0" encoding="utf-8"?>
+<p:sld xmlns:a="http://schemas.openxmlformats.org/drawingml/2006/main" xmlns:r="http://schemas.openxmlformats.org/officeDocument/2006/relationships" xmlns:p="http://schemas.openxmlformats.org/presentationml/2006/main">
+  <p:cSld>
+    <p:spTree>
+      <p:nvGrpSpPr>
+        <p:cNvPr id="1" name=""/>
+        <p:cNvGrpSpPr/>
+        <p:nvPr/>
+      </p:nvGrpSpPr>
+      <p:grpSpPr>
+        <a:xfrm>
+          <a:off x="0" y="0"/>
+          <a:ext cx="0" cy="0"/>
+          <a:chOff x="0" y="0"/>
+          <a:chExt cx="0" cy="0"/>
+        </a:xfrm>
+      </p:grpSpPr>
+      <p:sp>
+        <p:nvSpPr>
+          <p:cNvPr id="2" name="Title 1"/>
+          <p:cNvSpPr>
+            <a:spLocks noGrp="1"/>
+          </p:cNvSpPr>
+          <p:nvPr>
+            <p:ph type="title"/>
+          </p:nvPr>
+        </p:nvSpPr>
+        <p:spPr/>
+        <p:txBody>
+          <a:bodyPr/>
+          <a:lstStyle/>
+          <a:p>
+            <a:pPr lvl="0" marL="0" indent="0">
+              <a:buNone/>
+            </a:pPr>
+            <a:r>
+              <a:rPr/>
+              <a:t>Whistle</a:t>
+            </a:r>
+            <a:r>
+              <a:rPr/>
+              <a:t> </a:t>
+            </a:r>
+            <a:r>
+              <a:rPr/>
+              <a:t>blowing</a:t>
+            </a:r>
+          </a:p>
+        </p:txBody>
+      </p:sp>
+      <p:sp>
+        <p:nvSpPr>
+          <p:cNvPr id="3" name="Content Placeholder 2"/>
+          <p:cNvSpPr>
+            <a:spLocks noGrp="1"/>
+          </p:cNvSpPr>
+          <p:nvPr>
+            <p:ph idx="1"/>
+          </p:nvPr>
+        </p:nvSpPr>
+        <p:spPr/>
+        <p:txBody>
+          <a:bodyPr/>
+          <a:lstStyle/>
+          <a:p>
+            <a:pPr lvl="1"/>
+            <a:r>
+              <a:rPr/>
+              <a:t>Failure to report research misconduct is research misconduct</a:t>
+            </a:r>
+          </a:p>
+          <a:p>
+            <a:pPr lvl="1"/>
+            <a:r>
+              <a:rPr/>
+              <a:t>No retaliation for legitimate complaints.</a:t>
+            </a:r>
+          </a:p>
+        </p:txBody>
+      </p:sp>
+    </p:spTree>
+  </p:cSld>
+</p:sld>
+</file>
+
+<file path=ppt/slides/slide36.xml><?xml version="1.0" encoding="utf-8"?>
+<p:sld xmlns:a="http://schemas.openxmlformats.org/drawingml/2006/main" xmlns:r="http://schemas.openxmlformats.org/officeDocument/2006/relationships" xmlns:p="http://schemas.openxmlformats.org/presentationml/2006/main">
+  <p:cSld>
+    <p:spTree>
+      <p:nvGrpSpPr>
+        <p:cNvPr id="1" name=""/>
+        <p:cNvGrpSpPr/>
+        <p:nvPr/>
+      </p:nvGrpSpPr>
+      <p:grpSpPr>
+        <a:xfrm>
+          <a:off x="0" y="0"/>
+          <a:ext cx="0" cy="0"/>
+          <a:chOff x="0" y="0"/>
+          <a:chExt cx="0" cy="0"/>
+        </a:xfrm>
+      </p:grpSpPr>
+      <p:sp>
+        <p:nvSpPr>
+          <p:cNvPr id="2" name="Title 1"/>
+          <p:cNvSpPr>
+            <a:spLocks noGrp="1"/>
+          </p:cNvSpPr>
+          <p:nvPr>
+            <p:ph type="title"/>
+          </p:nvPr>
+        </p:nvSpPr>
+        <p:spPr/>
+        <p:txBody>
+          <a:bodyPr/>
+          <a:lstStyle/>
+          <a:p>
+            <a:pPr lvl="0" marL="0" indent="0">
+              <a:buNone/>
+            </a:pPr>
+            <a:r>
+              <a:rPr/>
+              <a:t>Whistle</a:t>
+            </a:r>
+            <a:r>
+              <a:rPr/>
+              <a:t> </a:t>
+            </a:r>
+            <a:r>
+              <a:rPr/>
+              <a:t>blowing</a:t>
+            </a:r>
+          </a:p>
+        </p:txBody>
+      </p:sp>
+      <p:sp>
+        <p:nvSpPr>
+          <p:cNvPr id="3" name="Content Placeholder 2"/>
+          <p:cNvSpPr>
+            <a:spLocks noGrp="1"/>
+          </p:cNvSpPr>
+          <p:nvPr>
+            <p:ph idx="1"/>
+          </p:nvPr>
+        </p:nvSpPr>
+        <p:spPr/>
+        <p:txBody>
+          <a:bodyPr/>
+          <a:lstStyle/>
+          <a:p>
+            <a:pPr lvl="1"/>
+            <a:r>
+              <a:rPr/>
+              <a:t>There is more than one avenue for reporting misconduct</a:t>
+            </a:r>
+          </a:p>
+          <a:p>
+            <a:pPr lvl="2"/>
+            <a:r>
+              <a:rPr/>
+              <a:t>Do nothing.</a:t>
+            </a:r>
+          </a:p>
+          <a:p>
+            <a:pPr lvl="2"/>
+            <a:r>
+              <a:rPr/>
+              <a:t>Talk with the person directly.</a:t>
+            </a:r>
+          </a:p>
+          <a:p>
+            <a:pPr lvl="2"/>
+            <a:r>
+              <a:rPr/>
+              <a:t>Talk to some of your peers.</a:t>
+            </a:r>
+          </a:p>
+          <a:p>
+            <a:pPr lvl="2"/>
+            <a:r>
+              <a:rPr/>
+              <a:t>Talk with your own supervisor.</a:t>
+            </a:r>
+          </a:p>
+          <a:p>
+            <a:pPr lvl="2"/>
+            <a:r>
+              <a:rPr/>
+              <a:t>Talk to a person higher up in the organizational structure</a:t>
+            </a:r>
+          </a:p>
+          <a:p>
+            <a:pPr lvl="2"/>
+            <a:r>
+              <a:rPr/>
+              <a:t>Report a complaint anonymously.</a:t>
+            </a:r>
+          </a:p>
+        </p:txBody>
+      </p:sp>
+    </p:spTree>
+  </p:cSld>
+</p:sld>
+</file>
+
+<file path=ppt/slides/slide37.xml><?xml version="1.0" encoding="utf-8"?>
+<p:sld xmlns:a="http://schemas.openxmlformats.org/drawingml/2006/main" xmlns:r="http://schemas.openxmlformats.org/officeDocument/2006/relationships" xmlns:p="http://schemas.openxmlformats.org/presentationml/2006/main">
+  <p:cSld>
+    <p:spTree>
+      <p:nvGrpSpPr>
+        <p:cNvPr id="1" name=""/>
+        <p:cNvGrpSpPr/>
+        <p:nvPr/>
+      </p:nvGrpSpPr>
+      <p:grpSpPr>
+        <a:xfrm>
+          <a:off x="0" y="0"/>
+          <a:ext cx="0" cy="0"/>
+          <a:chOff x="0" y="0"/>
+          <a:chExt cx="0" cy="0"/>
+        </a:xfrm>
+      </p:grpSpPr>
+      <p:sp>
+        <p:nvSpPr>
+          <p:cNvPr id="2" name="Title 1"/>
+          <p:cNvSpPr>
+            <a:spLocks noGrp="1"/>
+          </p:cNvSpPr>
+          <p:nvPr>
+            <p:ph type="title"/>
+          </p:nvPr>
+        </p:nvSpPr>
+        <p:spPr/>
+        <p:txBody>
+          <a:bodyPr/>
+          <a:lstStyle/>
+          <a:p>
+            <a:pPr lvl="0" marL="0" indent="0">
+              <a:buNone/>
+            </a:pPr>
+            <a:r>
+              <a:rPr/>
+              <a:t>Research</a:t>
+            </a:r>
+            <a:r>
+              <a:rPr/>
+              <a:t> </a:t>
+            </a:r>
+            <a:r>
+              <a:rPr/>
+              <a:t>Ethics</a:t>
+            </a:r>
+          </a:p>
+        </p:txBody>
+      </p:sp>
+      <p:sp>
+        <p:nvSpPr>
+          <p:cNvPr id="3" name="Content Placeholder 2"/>
+          <p:cNvSpPr>
+            <a:spLocks noGrp="1"/>
+          </p:cNvSpPr>
+          <p:nvPr>
+            <p:ph idx="1"/>
+          </p:nvPr>
+        </p:nvSpPr>
+        <p:spPr/>
+        <p:txBody>
+          <a:bodyPr/>
+          <a:lstStyle/>
+          <a:p>
+            <a:pPr lvl="1"/>
+            <a:r>
+              <a:rPr/>
+              <a:t>NIH definition (NIH Catalyst, 2001)</a:t>
+            </a:r>
+          </a:p>
+          <a:p>
+            <a:pPr lvl="1"/>
+            <a:r>
+              <a:rPr/>
+              <a:t>Scientific/research misconduct is ?</a:t>
+            </a:r>
+          </a:p>
+          <a:p>
+            <a:pPr lvl="2"/>
+            <a:r>
+              <a:rPr/>
+              <a:t>Fabrication ? inventing data or results</a:t>
+            </a:r>
+          </a:p>
+          <a:p>
+            <a:pPr lvl="2"/>
+            <a:r>
+              <a:rPr/>
+              <a:t>Falsification ? manipulating research materials, equipment, or processes, or changing or omitting data or results</a:t>
+            </a:r>
+          </a:p>
+          <a:p>
+            <a:pPr lvl="2"/>
+            <a:r>
+              <a:rPr/>
+              <a:t>Plagiarism ? appropriation of ideas, processes, results, or words of another person without giving appropriate credit</a:t>
+            </a:r>
+          </a:p>
+        </p:txBody>
+      </p:sp>
+    </p:spTree>
+  </p:cSld>
+</p:sld>
+</file>
+
+<file path=ppt/slides/slide38.xml><?xml version="1.0" encoding="utf-8"?>
 <p:sld xmlns:a="http://schemas.openxmlformats.org/drawingml/2006/main" xmlns:r="http://schemas.openxmlformats.org/officeDocument/2006/relationships" xmlns:p="http://schemas.openxmlformats.org/presentationml/2006/main">
   <p:cSld>
     <p:spTree>

--- a/clinical-research-methodology/results/video02-planning.pptx
+++ b/clinical-research-methodology/results/video02-planning.pptx
@@ -1,6 +1,6 @@
 
 <file path=ppt/presentation.xml><?xml version="1.0" encoding="utf-8"?>
-<p:presentation xmlns:a="http://schemas.openxmlformats.org/drawingml/2006/main" xmlns:r="http://schemas.openxmlformats.org/officeDocument/2006/relationships" xmlns:p="http://schemas.openxmlformats.org/presentationml/2006/main" saveSubsetFonts="1" autoCompressPictures="0">
+<p:presentation xmlns:a="http://schemas.openxmlformats.org/drawingml/2006/main" xmlns:p="http://schemas.openxmlformats.org/presentationml/2006/main" xmlns:r="http://schemas.openxmlformats.org/officeDocument/2006/relationships" autoCompressPictures="0" saveSubsetFonts="1">
   <p:sldMasterIdLst>
     <p:sldMasterId id="2147483648" r:id="rId1"/>
   </p:sldMasterIdLst>
@@ -53,8 +53,8 @@
     <a:defPPr>
       <a:defRPr lang="en-US"/>
     </a:defPPr>
-    <a:lvl1pPr marL="0" algn="l" defTabSz="457200" rtl="0" eaLnBrk="1" latinLnBrk="0" hangingPunct="1">
-      <a:defRPr sz="1800" kern="1200">
+    <a:lvl1pPr algn="l" defTabSz="457200" eaLnBrk="1" hangingPunct="1" latinLnBrk="0" marL="0" rtl="0">
+      <a:defRPr kern="1200" sz="1800">
         <a:solidFill>
           <a:schemeClr val="tx1"/>
         </a:solidFill>
@@ -63,8 +63,8 @@
         <a:cs typeface="+mn-cs"/>
       </a:defRPr>
     </a:lvl1pPr>
-    <a:lvl2pPr marL="457200" algn="l" defTabSz="457200" rtl="0" eaLnBrk="1" latinLnBrk="0" hangingPunct="1">
-      <a:defRPr sz="1800" kern="1200">
+    <a:lvl2pPr algn="l" defTabSz="457200" eaLnBrk="1" hangingPunct="1" latinLnBrk="0" marL="457200" rtl="0">
+      <a:defRPr kern="1200" sz="1800">
         <a:solidFill>
           <a:schemeClr val="tx1"/>
         </a:solidFill>
@@ -73,8 +73,8 @@
         <a:cs typeface="+mn-cs"/>
       </a:defRPr>
     </a:lvl2pPr>
-    <a:lvl3pPr marL="914400" algn="l" defTabSz="457200" rtl="0" eaLnBrk="1" latinLnBrk="0" hangingPunct="1">
-      <a:defRPr sz="1800" kern="1200">
+    <a:lvl3pPr algn="l" defTabSz="457200" eaLnBrk="1" hangingPunct="1" latinLnBrk="0" marL="914400" rtl="0">
+      <a:defRPr kern="1200" sz="1800">
         <a:solidFill>
           <a:schemeClr val="tx1"/>
         </a:solidFill>
@@ -83,8 +83,8 @@
         <a:cs typeface="+mn-cs"/>
       </a:defRPr>
     </a:lvl3pPr>
-    <a:lvl4pPr marL="1371600" algn="l" defTabSz="457200" rtl="0" eaLnBrk="1" latinLnBrk="0" hangingPunct="1">
-      <a:defRPr sz="1800" kern="1200">
+    <a:lvl4pPr algn="l" defTabSz="457200" eaLnBrk="1" hangingPunct="1" latinLnBrk="0" marL="1371600" rtl="0">
+      <a:defRPr kern="1200" sz="1800">
         <a:solidFill>
           <a:schemeClr val="tx1"/>
         </a:solidFill>
@@ -93,8 +93,8 @@
         <a:cs typeface="+mn-cs"/>
       </a:defRPr>
     </a:lvl4pPr>
-    <a:lvl5pPr marL="1828800" algn="l" defTabSz="457200" rtl="0" eaLnBrk="1" latinLnBrk="0" hangingPunct="1">
-      <a:defRPr sz="1800" kern="1200">
+    <a:lvl5pPr algn="l" defTabSz="457200" eaLnBrk="1" hangingPunct="1" latinLnBrk="0" marL="1828800" rtl="0">
+      <a:defRPr kern="1200" sz="1800">
         <a:solidFill>
           <a:schemeClr val="tx1"/>
         </a:solidFill>
@@ -103,8 +103,8 @@
         <a:cs typeface="+mn-cs"/>
       </a:defRPr>
     </a:lvl5pPr>
-    <a:lvl6pPr marL="2286000" algn="l" defTabSz="457200" rtl="0" eaLnBrk="1" latinLnBrk="0" hangingPunct="1">
-      <a:defRPr sz="1800" kern="1200">
+    <a:lvl6pPr algn="l" defTabSz="457200" eaLnBrk="1" hangingPunct="1" latinLnBrk="0" marL="2286000" rtl="0">
+      <a:defRPr kern="1200" sz="1800">
         <a:solidFill>
           <a:schemeClr val="tx1"/>
         </a:solidFill>
@@ -113,8 +113,8 @@
         <a:cs typeface="+mn-cs"/>
       </a:defRPr>
     </a:lvl6pPr>
-    <a:lvl7pPr marL="2743200" algn="l" defTabSz="457200" rtl="0" eaLnBrk="1" latinLnBrk="0" hangingPunct="1">
-      <a:defRPr sz="1800" kern="1200">
+    <a:lvl7pPr algn="l" defTabSz="457200" eaLnBrk="1" hangingPunct="1" latinLnBrk="0" marL="2743200" rtl="0">
+      <a:defRPr kern="1200" sz="1800">
         <a:solidFill>
           <a:schemeClr val="tx1"/>
         </a:solidFill>
@@ -123,8 +123,8 @@
         <a:cs typeface="+mn-cs"/>
       </a:defRPr>
     </a:lvl7pPr>
-    <a:lvl8pPr marL="3200400" algn="l" defTabSz="457200" rtl="0" eaLnBrk="1" latinLnBrk="0" hangingPunct="1">
-      <a:defRPr sz="1800" kern="1200">
+    <a:lvl8pPr algn="l" defTabSz="457200" eaLnBrk="1" hangingPunct="1" latinLnBrk="0" marL="3200400" rtl="0">
+      <a:defRPr kern="1200" sz="1800">
         <a:solidFill>
           <a:schemeClr val="tx1"/>
         </a:solidFill>
@@ -133,8 +133,8 @@
         <a:cs typeface="+mn-cs"/>
       </a:defRPr>
     </a:lvl8pPr>
-    <a:lvl9pPr marL="3657600" algn="l" defTabSz="457200" rtl="0" eaLnBrk="1" latinLnBrk="0" hangingPunct="1">
-      <a:defRPr sz="1800" kern="1200">
+    <a:lvl9pPr algn="l" defTabSz="457200" eaLnBrk="1" hangingPunct="1" latinLnBrk="0" marL="3657600" rtl="0">
+      <a:defRPr kern="1200" sz="1800">
         <a:solidFill>
           <a:schemeClr val="tx1"/>
         </a:solidFill>
@@ -588,6 +588,770 @@
               <a:t>objectives.</a:t>
             </a:r>
           </a:p>
+          <a:p>
+            <a:pPr lvl="0" marL="0" indent="0">
+              <a:buNone/>
+            </a:pPr>
+          </a:p>
+          <a:p>
+            <a:pPr lvl="0" marL="0" indent="0">
+              <a:buNone/>
+            </a:pPr>
+            <a:r>
+              <a:rPr/>
+              <a:t>We</a:t>
+            </a:r>
+            <a:r>
+              <a:rPr/>
+              <a:t> </a:t>
+            </a:r>
+            <a:r>
+              <a:rPr/>
+              <a:t>are</a:t>
+            </a:r>
+            <a:r>
+              <a:rPr/>
+              <a:t> </a:t>
+            </a:r>
+            <a:r>
+              <a:rPr/>
+              <a:t>going</a:t>
+            </a:r>
+            <a:r>
+              <a:rPr/>
+              <a:t> </a:t>
+            </a:r>
+            <a:r>
+              <a:rPr/>
+              <a:t>to</a:t>
+            </a:r>
+            <a:r>
+              <a:rPr/>
+              <a:t> </a:t>
+            </a:r>
+            <a:r>
+              <a:rPr/>
+              <a:t>talk</a:t>
+            </a:r>
+            <a:r>
+              <a:rPr/>
+              <a:t> </a:t>
+            </a:r>
+            <a:r>
+              <a:rPr/>
+              <a:t>about</a:t>
+            </a:r>
+            <a:r>
+              <a:rPr/>
+              <a:t> </a:t>
+            </a:r>
+            <a:r>
+              <a:rPr/>
+              <a:t>planning</a:t>
+            </a:r>
+            <a:r>
+              <a:rPr/>
+              <a:t> </a:t>
+            </a:r>
+            <a:r>
+              <a:rPr/>
+              <a:t>and</a:t>
+            </a:r>
+            <a:r>
+              <a:rPr/>
+              <a:t> </a:t>
+            </a:r>
+            <a:r>
+              <a:rPr/>
+              <a:t>ethics.</a:t>
+            </a:r>
+            <a:r>
+              <a:rPr/>
+              <a:t> </a:t>
+            </a:r>
+            <a:r>
+              <a:rPr/>
+              <a:t>We</a:t>
+            </a:r>
+            <a:r>
+              <a:rPr/>
+              <a:t> </a:t>
+            </a:r>
+            <a:r>
+              <a:rPr/>
+              <a:t>are</a:t>
+            </a:r>
+            <a:r>
+              <a:rPr/>
+              <a:t> </a:t>
+            </a:r>
+            <a:r>
+              <a:rPr/>
+              <a:t>going</a:t>
+            </a:r>
+            <a:r>
+              <a:rPr/>
+              <a:t> </a:t>
+            </a:r>
+            <a:r>
+              <a:rPr/>
+              <a:t>talk</a:t>
+            </a:r>
+            <a:r>
+              <a:rPr/>
+              <a:t> </a:t>
+            </a:r>
+            <a:r>
+              <a:rPr/>
+              <a:t>more</a:t>
+            </a:r>
+            <a:r>
+              <a:rPr/>
+              <a:t> </a:t>
+            </a:r>
+            <a:r>
+              <a:rPr/>
+              <a:t>about</a:t>
+            </a:r>
+            <a:r>
+              <a:rPr/>
+              <a:t> </a:t>
+            </a:r>
+            <a:r>
+              <a:rPr/>
+              <a:t>the</a:t>
+            </a:r>
+            <a:r>
+              <a:rPr/>
+              <a:t> </a:t>
+            </a:r>
+            <a:r>
+              <a:rPr/>
+              <a:t>variety</a:t>
+            </a:r>
+            <a:r>
+              <a:rPr/>
+              <a:t> </a:t>
+            </a:r>
+            <a:r>
+              <a:rPr/>
+              <a:t>of</a:t>
+            </a:r>
+            <a:r>
+              <a:rPr/>
+              <a:t> </a:t>
+            </a:r>
+            <a:r>
+              <a:rPr/>
+              <a:t>research</a:t>
+            </a:r>
+            <a:r>
+              <a:rPr/>
+              <a:t> </a:t>
+            </a:r>
+            <a:r>
+              <a:rPr/>
+              <a:t>that</a:t>
+            </a:r>
+            <a:r>
+              <a:rPr/>
+              <a:t> </a:t>
+            </a:r>
+            <a:r>
+              <a:rPr/>
+              <a:t>can</a:t>
+            </a:r>
+            <a:r>
+              <a:rPr/>
+              <a:t> </a:t>
+            </a:r>
+            <a:r>
+              <a:rPr/>
+              <a:t>be</a:t>
+            </a:r>
+            <a:r>
+              <a:rPr/>
+              <a:t> </a:t>
+            </a:r>
+            <a:r>
+              <a:rPr/>
+              <a:t>conducted.</a:t>
+            </a:r>
+            <a:r>
+              <a:rPr/>
+              <a:t> </a:t>
+            </a:r>
+            <a:r>
+              <a:rPr/>
+              <a:t>We’ll</a:t>
+            </a:r>
+            <a:r>
+              <a:rPr/>
+              <a:t> </a:t>
+            </a:r>
+            <a:r>
+              <a:rPr/>
+              <a:t>introduce</a:t>
+            </a:r>
+            <a:r>
+              <a:rPr/>
+              <a:t> </a:t>
+            </a:r>
+            <a:r>
+              <a:rPr/>
+              <a:t>new</a:t>
+            </a:r>
+            <a:r>
+              <a:rPr/>
+              <a:t> </a:t>
+            </a:r>
+            <a:r>
+              <a:rPr/>
+              <a:t>dichotomies</a:t>
+            </a:r>
+            <a:r>
+              <a:rPr/>
+              <a:t> </a:t>
+            </a:r>
+            <a:r>
+              <a:rPr/>
+              <a:t>and</a:t>
+            </a:r>
+            <a:r>
+              <a:rPr/>
+              <a:t> </a:t>
+            </a:r>
+            <a:r>
+              <a:rPr/>
+              <a:t>we’re</a:t>
+            </a:r>
+            <a:r>
+              <a:rPr/>
+              <a:t> </a:t>
+            </a:r>
+            <a:r>
+              <a:rPr/>
+              <a:t>going</a:t>
+            </a:r>
+            <a:r>
+              <a:rPr/>
+              <a:t> </a:t>
+            </a:r>
+            <a:r>
+              <a:rPr/>
+              <a:t>to</a:t>
+            </a:r>
+            <a:r>
+              <a:rPr/>
+              <a:t> </a:t>
+            </a:r>
+            <a:r>
+              <a:rPr/>
+              <a:t>describe</a:t>
+            </a:r>
+            <a:r>
+              <a:rPr/>
+              <a:t> </a:t>
+            </a:r>
+            <a:r>
+              <a:rPr/>
+              <a:t>what’s</a:t>
+            </a:r>
+            <a:r>
+              <a:rPr/>
+              <a:t> </a:t>
+            </a:r>
+            <a:r>
+              <a:rPr/>
+              <a:t>needed</a:t>
+            </a:r>
+            <a:r>
+              <a:rPr/>
+              <a:t> </a:t>
+            </a:r>
+            <a:r>
+              <a:rPr/>
+              <a:t>to</a:t>
+            </a:r>
+            <a:r>
+              <a:rPr/>
+              <a:t> </a:t>
+            </a:r>
+            <a:r>
+              <a:rPr/>
+              <a:t>identify</a:t>
+            </a:r>
+            <a:r>
+              <a:rPr/>
+              <a:t> </a:t>
+            </a:r>
+            <a:r>
+              <a:rPr/>
+              <a:t>research</a:t>
+            </a:r>
+            <a:r>
+              <a:rPr/>
+              <a:t> </a:t>
+            </a:r>
+            <a:r>
+              <a:rPr/>
+              <a:t>question.</a:t>
+            </a:r>
+          </a:p>
+          <a:p>
+            <a:pPr lvl="0" marL="0" indent="0">
+              <a:buNone/>
+            </a:pPr>
+          </a:p>
+          <a:p>
+            <a:pPr lvl="0" marL="0" indent="0">
+              <a:buNone/>
+            </a:pPr>
+            <a:r>
+              <a:rPr/>
+              <a:t>Now,</a:t>
+            </a:r>
+            <a:r>
+              <a:rPr/>
+              <a:t> </a:t>
+            </a:r>
+            <a:r>
+              <a:rPr/>
+              <a:t>in</a:t>
+            </a:r>
+            <a:r>
+              <a:rPr/>
+              <a:t> </a:t>
+            </a:r>
+            <a:r>
+              <a:rPr/>
+              <a:t>the</a:t>
+            </a:r>
+            <a:r>
+              <a:rPr/>
+              <a:t> </a:t>
+            </a:r>
+            <a:r>
+              <a:rPr/>
+              <a:t>short</a:t>
+            </a:r>
+            <a:r>
+              <a:rPr/>
+              <a:t> </a:t>
+            </a:r>
+            <a:r>
+              <a:rPr/>
+              <a:t>amount</a:t>
+            </a:r>
+            <a:r>
+              <a:rPr/>
+              <a:t> </a:t>
+            </a:r>
+            <a:r>
+              <a:rPr/>
+              <a:t>of</a:t>
+            </a:r>
+            <a:r>
+              <a:rPr/>
+              <a:t> </a:t>
+            </a:r>
+            <a:r>
+              <a:rPr/>
+              <a:t>time,</a:t>
+            </a:r>
+            <a:r>
+              <a:rPr/>
+              <a:t> </a:t>
+            </a:r>
+            <a:r>
+              <a:rPr/>
+              <a:t>we</a:t>
+            </a:r>
+            <a:r>
+              <a:rPr/>
+              <a:t> </a:t>
+            </a:r>
+            <a:r>
+              <a:rPr/>
+              <a:t>really</a:t>
+            </a:r>
+            <a:r>
+              <a:rPr/>
+              <a:t> </a:t>
+            </a:r>
+            <a:r>
+              <a:rPr/>
+              <a:t>can’t</a:t>
+            </a:r>
+            <a:r>
+              <a:rPr/>
+              <a:t> </a:t>
+            </a:r>
+            <a:r>
+              <a:rPr/>
+              <a:t>do</a:t>
+            </a:r>
+            <a:r>
+              <a:rPr/>
+              <a:t> </a:t>
+            </a:r>
+            <a:r>
+              <a:rPr/>
+              <a:t>justice</a:t>
+            </a:r>
+            <a:r>
+              <a:rPr/>
+              <a:t> </a:t>
+            </a:r>
+            <a:r>
+              <a:rPr/>
+              <a:t>to</a:t>
+            </a:r>
+            <a:r>
+              <a:rPr/>
+              <a:t> </a:t>
+            </a:r>
+            <a:r>
+              <a:rPr/>
+              <a:t>ethics.</a:t>
+            </a:r>
+            <a:r>
+              <a:rPr/>
+              <a:t> </a:t>
+            </a:r>
+            <a:r>
+              <a:rPr/>
+              <a:t>We</a:t>
+            </a:r>
+            <a:r>
+              <a:rPr/>
+              <a:t> </a:t>
+            </a:r>
+            <a:r>
+              <a:rPr/>
+              <a:t>have</a:t>
+            </a:r>
+            <a:r>
+              <a:rPr/>
+              <a:t> </a:t>
+            </a:r>
+            <a:r>
+              <a:rPr/>
+              <a:t>an</a:t>
+            </a:r>
+            <a:r>
+              <a:rPr/>
+              <a:t> </a:t>
+            </a:r>
+            <a:r>
+              <a:rPr/>
+              <a:t>entire</a:t>
+            </a:r>
+            <a:r>
+              <a:rPr/>
+              <a:t> </a:t>
+            </a:r>
+            <a:r>
+              <a:rPr/>
+              <a:t>course,</a:t>
+            </a:r>
+            <a:r>
+              <a:rPr/>
+              <a:t> </a:t>
+            </a:r>
+            <a:r>
+              <a:rPr/>
+              <a:t>Ethical</a:t>
+            </a:r>
+            <a:r>
+              <a:rPr/>
+              <a:t> </a:t>
+            </a:r>
+            <a:r>
+              <a:rPr/>
+              <a:t>Conduct</a:t>
+            </a:r>
+            <a:r>
+              <a:rPr/>
+              <a:t> </a:t>
+            </a:r>
+            <a:r>
+              <a:rPr/>
+              <a:t>of</a:t>
+            </a:r>
+            <a:r>
+              <a:rPr/>
+              <a:t> </a:t>
+            </a:r>
+            <a:r>
+              <a:rPr/>
+              <a:t>Researchthat</a:t>
+            </a:r>
+            <a:r>
+              <a:rPr/>
+              <a:t> </a:t>
+            </a:r>
+            <a:r>
+              <a:rPr/>
+              <a:t>covers</a:t>
+            </a:r>
+            <a:r>
+              <a:rPr/>
+              <a:t> </a:t>
+            </a:r>
+            <a:r>
+              <a:rPr/>
+              <a:t>all</a:t>
+            </a:r>
+            <a:r>
+              <a:rPr/>
+              <a:t> </a:t>
+            </a:r>
+            <a:r>
+              <a:rPr/>
+              <a:t>the</a:t>
+            </a:r>
+            <a:r>
+              <a:rPr/>
+              <a:t> </a:t>
+            </a:r>
+            <a:r>
+              <a:rPr/>
+              <a:t>issues</a:t>
+            </a:r>
+            <a:r>
+              <a:rPr/>
+              <a:t> </a:t>
+            </a:r>
+            <a:r>
+              <a:rPr/>
+              <a:t>in</a:t>
+            </a:r>
+            <a:r>
+              <a:rPr/>
+              <a:t> </a:t>
+            </a:r>
+            <a:r>
+              <a:rPr/>
+              <a:t>greater</a:t>
+            </a:r>
+            <a:r>
+              <a:rPr/>
+              <a:t> </a:t>
+            </a:r>
+            <a:r>
+              <a:rPr/>
+              <a:t>detail.</a:t>
+            </a:r>
+            <a:r>
+              <a:rPr/>
+              <a:t> </a:t>
+            </a:r>
+            <a:r>
+              <a:rPr/>
+              <a:t>What</a:t>
+            </a:r>
+            <a:r>
+              <a:rPr/>
+              <a:t> </a:t>
+            </a:r>
+            <a:r>
+              <a:rPr/>
+              <a:t>I</a:t>
+            </a:r>
+            <a:r>
+              <a:rPr/>
+              <a:t> </a:t>
+            </a:r>
+            <a:r>
+              <a:rPr/>
+              <a:t>hope</a:t>
+            </a:r>
+            <a:r>
+              <a:rPr/>
+              <a:t> </a:t>
+            </a:r>
+            <a:r>
+              <a:rPr/>
+              <a:t>to</a:t>
+            </a:r>
+            <a:r>
+              <a:rPr/>
+              <a:t> </a:t>
+            </a:r>
+            <a:r>
+              <a:rPr/>
+              <a:t>do</a:t>
+            </a:r>
+            <a:r>
+              <a:rPr/>
+              <a:t> </a:t>
+            </a:r>
+            <a:r>
+              <a:rPr/>
+              <a:t>is</a:t>
+            </a:r>
+            <a:r>
+              <a:rPr/>
+              <a:t> </a:t>
+            </a:r>
+            <a:r>
+              <a:rPr/>
+              <a:t>to</a:t>
+            </a:r>
+            <a:r>
+              <a:rPr/>
+              <a:t> </a:t>
+            </a:r>
+            <a:r>
+              <a:rPr/>
+              <a:t>review</a:t>
+            </a:r>
+            <a:r>
+              <a:rPr/>
+              <a:t> </a:t>
+            </a:r>
+            <a:r>
+              <a:rPr/>
+              <a:t>a</a:t>
+            </a:r>
+            <a:r>
+              <a:rPr/>
+              <a:t> </a:t>
+            </a:r>
+            <a:r>
+              <a:rPr/>
+              <a:t>few</a:t>
+            </a:r>
+            <a:r>
+              <a:rPr/>
+              <a:t> </a:t>
+            </a:r>
+            <a:r>
+              <a:rPr/>
+              <a:t>basic</a:t>
+            </a:r>
+            <a:r>
+              <a:rPr/>
+              <a:t> </a:t>
+            </a:r>
+            <a:r>
+              <a:rPr/>
+              <a:t>issues</a:t>
+            </a:r>
+            <a:r>
+              <a:rPr/>
+              <a:t> </a:t>
+            </a:r>
+            <a:r>
+              <a:rPr/>
+              <a:t>and</a:t>
+            </a:r>
+            <a:r>
+              <a:rPr/>
+              <a:t> </a:t>
+            </a:r>
+            <a:r>
+              <a:rPr/>
+              <a:t>discuss</a:t>
+            </a:r>
+            <a:r>
+              <a:rPr/>
+              <a:t> </a:t>
+            </a:r>
+            <a:r>
+              <a:rPr/>
+              <a:t>the</a:t>
+            </a:r>
+            <a:r>
+              <a:rPr/>
+              <a:t> </a:t>
+            </a:r>
+            <a:r>
+              <a:rPr/>
+              <a:t>historical</a:t>
+            </a:r>
+            <a:r>
+              <a:rPr/>
+              <a:t> </a:t>
+            </a:r>
+            <a:r>
+              <a:rPr/>
+              <a:t>events</a:t>
+            </a:r>
+            <a:r>
+              <a:rPr/>
+              <a:t> </a:t>
+            </a:r>
+            <a:r>
+              <a:rPr/>
+              <a:t>associated</a:t>
+            </a:r>
+            <a:r>
+              <a:rPr/>
+              <a:t> </a:t>
+            </a:r>
+            <a:r>
+              <a:rPr/>
+              <a:t>with</a:t>
+            </a:r>
+            <a:r>
+              <a:rPr/>
+              <a:t> </a:t>
+            </a:r>
+            <a:r>
+              <a:rPr/>
+              <a:t>the</a:t>
+            </a:r>
+            <a:r>
+              <a:rPr/>
+              <a:t> </a:t>
+            </a:r>
+            <a:r>
+              <a:rPr/>
+              <a:t>increasing</a:t>
+            </a:r>
+            <a:r>
+              <a:rPr/>
+              <a:t> </a:t>
+            </a:r>
+            <a:r>
+              <a:rPr/>
+              <a:t>concern</a:t>
+            </a:r>
+            <a:r>
+              <a:rPr/>
+              <a:t> </a:t>
+            </a:r>
+            <a:r>
+              <a:rPr/>
+              <a:t>and</a:t>
+            </a:r>
+            <a:r>
+              <a:rPr/>
+              <a:t> </a:t>
+            </a:r>
+            <a:r>
+              <a:rPr/>
+              <a:t>demand</a:t>
+            </a:r>
+            <a:r>
+              <a:rPr/>
+              <a:t> </a:t>
+            </a:r>
+            <a:r>
+              <a:rPr/>
+              <a:t>for</a:t>
+            </a:r>
+            <a:r>
+              <a:rPr/>
+              <a:t> </a:t>
+            </a:r>
+            <a:r>
+              <a:rPr/>
+              <a:t>oversight.</a:t>
+            </a:r>
+          </a:p>
         </p:txBody>
       </p:sp>
       <p:sp>
@@ -17943,7 +18707,7 @@
             </a:r>
             <a:r>
               <a:rPr/>
-              <a:t>"Doctor,</a:t>
+              <a:t>“Doctor,</a:t>
             </a:r>
             <a:r>
               <a:rPr/>
@@ -55257,10 +56021,134 @@
               <a:rPr/>
               <a:t>from.</a:t>
             </a:r>
-            <a:r>
-              <a:rPr/>
-              <a:t> </a:t>
-            </a:r>
+          </a:p>
+          <a:p>
+            <a:pPr lvl="0" marL="0" indent="0">
+              <a:buNone/>
+            </a:pPr>
+          </a:p>
+          <a:p>
+            <a:pPr lvl="0" marL="0" indent="0">
+              <a:buNone/>
+            </a:pPr>
+            <a:r>
+              <a:rPr/>
+              <a:t>We</a:t>
+            </a:r>
+            <a:r>
+              <a:rPr/>
+              <a:t> </a:t>
+            </a:r>
+            <a:r>
+              <a:rPr/>
+              <a:t>will</a:t>
+            </a:r>
+            <a:r>
+              <a:rPr/>
+              <a:t> </a:t>
+            </a:r>
+            <a:r>
+              <a:rPr/>
+              <a:t>spend</a:t>
+            </a:r>
+            <a:r>
+              <a:rPr/>
+              <a:t> </a:t>
+            </a:r>
+            <a:r>
+              <a:rPr/>
+              <a:t>three</a:t>
+            </a:r>
+            <a:r>
+              <a:rPr/>
+              <a:t> </a:t>
+            </a:r>
+            <a:r>
+              <a:rPr/>
+              <a:t>full</a:t>
+            </a:r>
+            <a:r>
+              <a:rPr/>
+              <a:t> </a:t>
+            </a:r>
+            <a:r>
+              <a:rPr/>
+              <a:t>weeks</a:t>
+            </a:r>
+            <a:r>
+              <a:rPr/>
+              <a:t> </a:t>
+            </a:r>
+            <a:r>
+              <a:rPr/>
+              <a:t>on</a:t>
+            </a:r>
+            <a:r>
+              <a:rPr/>
+              <a:t> </a:t>
+            </a:r>
+            <a:r>
+              <a:rPr/>
+              <a:t>this,</a:t>
+            </a:r>
+            <a:r>
+              <a:rPr/>
+              <a:t> </a:t>
+            </a:r>
+            <a:r>
+              <a:rPr/>
+              <a:t>because</a:t>
+            </a:r>
+            <a:r>
+              <a:rPr/>
+              <a:t> </a:t>
+            </a:r>
+            <a:r>
+              <a:rPr/>
+              <a:t>the</a:t>
+            </a:r>
+            <a:r>
+              <a:rPr/>
+              <a:t> </a:t>
+            </a:r>
+            <a:r>
+              <a:rPr/>
+              <a:t>topic</a:t>
+            </a:r>
+            <a:r>
+              <a:rPr/>
+              <a:t> </a:t>
+            </a:r>
+            <a:r>
+              <a:rPr/>
+              <a:t>is</a:t>
+            </a:r>
+            <a:r>
+              <a:rPr/>
+              <a:t> </a:t>
+            </a:r>
+            <a:r>
+              <a:rPr/>
+              <a:t>so</a:t>
+            </a:r>
+            <a:r>
+              <a:rPr/>
+              <a:t> </a:t>
+            </a:r>
+            <a:r>
+              <a:rPr/>
+              <a:t>important.</a:t>
+            </a:r>
+          </a:p>
+          <a:p>
+            <a:pPr lvl="0" marL="0" indent="0">
+              <a:buNone/>
+            </a:pPr>
+          </a:p>
+          <a:p>
+            <a:pPr lvl="0" marL="0" indent="0">
+              <a:buNone/>
+            </a:pPr>
             <a:r>
               <a:rPr/>
               <a:t>In</a:t>
@@ -55601,10 +56489,510 @@
               <a:rPr/>
               <a:t>randomization.</a:t>
             </a:r>
-            <a:r>
-              <a:rPr/>
-              <a:t> </a:t>
-            </a:r>
+          </a:p>
+          <a:p>
+            <a:pPr lvl="0" marL="0" indent="0">
+              <a:buNone/>
+            </a:pPr>
+          </a:p>
+          <a:p>
+            <a:pPr lvl="0" marL="0" indent="0">
+              <a:buNone/>
+            </a:pPr>
+            <a:r>
+              <a:rPr/>
+              <a:t>Now</a:t>
+            </a:r>
+            <a:r>
+              <a:rPr/>
+              <a:t> </a:t>
+            </a:r>
+            <a:r>
+              <a:rPr/>
+              <a:t>I</a:t>
+            </a:r>
+            <a:r>
+              <a:rPr/>
+              <a:t> </a:t>
+            </a:r>
+            <a:r>
+              <a:rPr/>
+              <a:t>have</a:t>
+            </a:r>
+            <a:r>
+              <a:rPr/>
+              <a:t> </a:t>
+            </a:r>
+            <a:r>
+              <a:rPr/>
+              <a:t>to</a:t>
+            </a:r>
+            <a:r>
+              <a:rPr/>
+              <a:t> </a:t>
+            </a:r>
+            <a:r>
+              <a:rPr/>
+              <a:t>be</a:t>
+            </a:r>
+            <a:r>
+              <a:rPr/>
+              <a:t> </a:t>
+            </a:r>
+            <a:r>
+              <a:rPr/>
+              <a:t>honest,</a:t>
+            </a:r>
+            <a:r>
+              <a:rPr/>
+              <a:t> </a:t>
+            </a:r>
+            <a:r>
+              <a:rPr/>
+              <a:t>quasiexperimental</a:t>
+            </a:r>
+            <a:r>
+              <a:rPr/>
+              <a:t> </a:t>
+            </a:r>
+            <a:r>
+              <a:rPr/>
+              <a:t>designs</a:t>
+            </a:r>
+            <a:r>
+              <a:rPr/>
+              <a:t> </a:t>
+            </a:r>
+            <a:r>
+              <a:rPr/>
+              <a:t>have</a:t>
+            </a:r>
+            <a:r>
+              <a:rPr/>
+              <a:t> </a:t>
+            </a:r>
+            <a:r>
+              <a:rPr/>
+              <a:t>a</a:t>
+            </a:r>
+            <a:r>
+              <a:rPr/>
+              <a:t> </a:t>
+            </a:r>
+            <a:r>
+              <a:rPr/>
+              <a:t>bad</a:t>
+            </a:r>
+            <a:r>
+              <a:rPr/>
+              <a:t> </a:t>
+            </a:r>
+            <a:r>
+              <a:rPr/>
+              <a:t>reputation.</a:t>
+            </a:r>
+            <a:r>
+              <a:rPr/>
+              <a:t> </a:t>
+            </a:r>
+            <a:r>
+              <a:rPr/>
+              <a:t>I’m</a:t>
+            </a:r>
+            <a:r>
+              <a:rPr/>
+              <a:t> </a:t>
+            </a:r>
+            <a:r>
+              <a:rPr/>
+              <a:t>going</a:t>
+            </a:r>
+            <a:r>
+              <a:rPr/>
+              <a:t> </a:t>
+            </a:r>
+            <a:r>
+              <a:rPr/>
+              <a:t>to</a:t>
+            </a:r>
+            <a:r>
+              <a:rPr/>
+              <a:t> </a:t>
+            </a:r>
+            <a:r>
+              <a:rPr/>
+              <a:t>try</a:t>
+            </a:r>
+            <a:r>
+              <a:rPr/>
+              <a:t> </a:t>
+            </a:r>
+            <a:r>
+              <a:rPr/>
+              <a:t>to</a:t>
+            </a:r>
+            <a:r>
+              <a:rPr/>
+              <a:t> </a:t>
+            </a:r>
+            <a:r>
+              <a:rPr/>
+              <a:t>disabuse</a:t>
+            </a:r>
+            <a:r>
+              <a:rPr/>
+              <a:t> </a:t>
+            </a:r>
+            <a:r>
+              <a:rPr/>
+              <a:t>you</a:t>
+            </a:r>
+            <a:r>
+              <a:rPr/>
+              <a:t> </a:t>
+            </a:r>
+            <a:r>
+              <a:rPr/>
+              <a:t>of</a:t>
+            </a:r>
+            <a:r>
+              <a:rPr/>
+              <a:t> </a:t>
+            </a:r>
+            <a:r>
+              <a:rPr/>
+              <a:t>that</a:t>
+            </a:r>
+            <a:r>
+              <a:rPr/>
+              <a:t> </a:t>
+            </a:r>
+            <a:r>
+              <a:rPr/>
+              <a:t>notion.</a:t>
+            </a:r>
+            <a:r>
+              <a:rPr/>
+              <a:t> </a:t>
+            </a:r>
+            <a:r>
+              <a:rPr/>
+              <a:t>Quasiexperimental</a:t>
+            </a:r>
+            <a:r>
+              <a:rPr/>
+              <a:t> </a:t>
+            </a:r>
+            <a:r>
+              <a:rPr/>
+              <a:t>designs–the</a:t>
+            </a:r>
+            <a:r>
+              <a:rPr/>
+              <a:t> </a:t>
+            </a:r>
+            <a:r>
+              <a:rPr/>
+              <a:t>word</a:t>
+            </a:r>
+            <a:r>
+              <a:rPr/>
+              <a:t> </a:t>
+            </a:r>
+            <a:r>
+              <a:rPr/>
+              <a:t>“</a:t>
+            </a:r>
+            <a:r>
+              <a:rPr/>
+              <a:t>quasi</a:t>
+            </a:r>
+            <a:r>
+              <a:rPr/>
+              <a:t>”</a:t>
+            </a:r>
+            <a:r>
+              <a:rPr/>
+              <a:t> </a:t>
+            </a:r>
+            <a:r>
+              <a:rPr/>
+              <a:t>seems</a:t>
+            </a:r>
+            <a:r>
+              <a:rPr/>
+              <a:t> </a:t>
+            </a:r>
+            <a:r>
+              <a:rPr/>
+              <a:t>almost</a:t>
+            </a:r>
+            <a:r>
+              <a:rPr/>
+              <a:t> </a:t>
+            </a:r>
+            <a:r>
+              <a:rPr/>
+              <a:t>critical</a:t>
+            </a:r>
+            <a:r>
+              <a:rPr/>
+              <a:t> </a:t>
+            </a:r>
+            <a:r>
+              <a:rPr/>
+              <a:t>of</a:t>
+            </a:r>
+            <a:r>
+              <a:rPr/>
+              <a:t> </a:t>
+            </a:r>
+            <a:r>
+              <a:rPr/>
+              <a:t>this</a:t>
+            </a:r>
+            <a:r>
+              <a:rPr/>
+              <a:t> </a:t>
+            </a:r>
+            <a:r>
+              <a:rPr/>
+              <a:t>type</a:t>
+            </a:r>
+            <a:r>
+              <a:rPr/>
+              <a:t> </a:t>
+            </a:r>
+            <a:r>
+              <a:rPr/>
+              <a:t>of</a:t>
+            </a:r>
+            <a:r>
+              <a:rPr/>
+              <a:t> </a:t>
+            </a:r>
+            <a:r>
+              <a:rPr/>
+              <a:t>the</a:t>
+            </a:r>
+            <a:r>
+              <a:rPr/>
+              <a:t> </a:t>
+            </a:r>
+            <a:r>
+              <a:rPr/>
+              <a:t>approach.</a:t>
+            </a:r>
+            <a:r>
+              <a:rPr/>
+              <a:t> </a:t>
+            </a:r>
+            <a:r>
+              <a:rPr/>
+              <a:t>Really</a:t>
+            </a:r>
+            <a:r>
+              <a:rPr/>
+              <a:t> </a:t>
+            </a:r>
+            <a:r>
+              <a:rPr/>
+              <a:t>what</a:t>
+            </a:r>
+            <a:r>
+              <a:rPr/>
+              <a:t> </a:t>
+            </a:r>
+            <a:r>
+              <a:rPr/>
+              <a:t>a</a:t>
+            </a:r>
+            <a:r>
+              <a:rPr/>
+              <a:t> </a:t>
+            </a:r>
+            <a:r>
+              <a:rPr/>
+              <a:t>quasiexperimental</a:t>
+            </a:r>
+            <a:r>
+              <a:rPr/>
+              <a:t> </a:t>
+            </a:r>
+            <a:r>
+              <a:rPr/>
+              <a:t>design</a:t>
+            </a:r>
+            <a:r>
+              <a:rPr/>
+              <a:t> </a:t>
+            </a:r>
+            <a:r>
+              <a:rPr/>
+              <a:t>is</a:t>
+            </a:r>
+            <a:r>
+              <a:rPr/>
+              <a:t> </a:t>
+            </a:r>
+            <a:r>
+              <a:rPr/>
+              <a:t>the</a:t>
+            </a:r>
+            <a:r>
+              <a:rPr/>
+              <a:t> </a:t>
+            </a:r>
+            <a:r>
+              <a:rPr/>
+              <a:t>design</a:t>
+            </a:r>
+            <a:r>
+              <a:rPr/>
+              <a:t> </a:t>
+            </a:r>
+            <a:r>
+              <a:rPr/>
+              <a:t>that</a:t>
+            </a:r>
+            <a:r>
+              <a:rPr/>
+              <a:t> </a:t>
+            </a:r>
+            <a:r>
+              <a:rPr/>
+              <a:t>reflects</a:t>
+            </a:r>
+            <a:r>
+              <a:rPr/>
+              <a:t> </a:t>
+            </a:r>
+            <a:r>
+              <a:rPr/>
+              <a:t>the</a:t>
+            </a:r>
+            <a:r>
+              <a:rPr/>
+              <a:t> </a:t>
+            </a:r>
+            <a:r>
+              <a:rPr/>
+              <a:t>reality</a:t>
+            </a:r>
+            <a:r>
+              <a:rPr/>
+              <a:t> </a:t>
+            </a:r>
+            <a:r>
+              <a:rPr/>
+              <a:t>of</a:t>
+            </a:r>
+            <a:r>
+              <a:rPr/>
+              <a:t> </a:t>
+            </a:r>
+            <a:r>
+              <a:rPr/>
+              <a:t>the</a:t>
+            </a:r>
+            <a:r>
+              <a:rPr/>
+              <a:t> </a:t>
+            </a:r>
+            <a:r>
+              <a:rPr/>
+              <a:t>difficulties</a:t>
+            </a:r>
+            <a:r>
+              <a:rPr/>
+              <a:t> </a:t>
+            </a:r>
+            <a:r>
+              <a:rPr/>
+              <a:t>associated</a:t>
+            </a:r>
+            <a:r>
+              <a:rPr/>
+              <a:t> </a:t>
+            </a:r>
+            <a:r>
+              <a:rPr/>
+              <a:t>with</a:t>
+            </a:r>
+            <a:r>
+              <a:rPr/>
+              <a:t> </a:t>
+            </a:r>
+            <a:r>
+              <a:rPr/>
+              <a:t>doing</a:t>
+            </a:r>
+            <a:r>
+              <a:rPr/>
+              <a:t> </a:t>
+            </a:r>
+            <a:r>
+              <a:rPr/>
+              <a:t>research</a:t>
+            </a:r>
+            <a:r>
+              <a:rPr/>
+              <a:t> </a:t>
+            </a:r>
+            <a:r>
+              <a:rPr/>
+              <a:t>in</a:t>
+            </a:r>
+            <a:r>
+              <a:rPr/>
+              <a:t> </a:t>
+            </a:r>
+            <a:r>
+              <a:rPr/>
+              <a:t>a</a:t>
+            </a:r>
+            <a:r>
+              <a:rPr/>
+              <a:t> </a:t>
+            </a:r>
+            <a:r>
+              <a:rPr/>
+              <a:t>variety</a:t>
+            </a:r>
+            <a:r>
+              <a:rPr/>
+              <a:t> </a:t>
+            </a:r>
+            <a:r>
+              <a:rPr/>
+              <a:t>of</a:t>
+            </a:r>
+            <a:r>
+              <a:rPr/>
+              <a:t> </a:t>
+            </a:r>
+            <a:r>
+              <a:rPr/>
+              <a:t>different</a:t>
+            </a:r>
+            <a:r>
+              <a:rPr/>
+              <a:t> </a:t>
+            </a:r>
+            <a:r>
+              <a:rPr/>
+              <a:t>settings.</a:t>
+            </a:r>
+          </a:p>
+          <a:p>
+            <a:pPr lvl="0" marL="0" indent="0">
+              <a:buNone/>
+            </a:pPr>
+          </a:p>
+          <a:p>
+            <a:pPr lvl="0" marL="0" indent="0">
+              <a:buNone/>
+            </a:pPr>
             <a:r>
               <a:rPr/>
               <a:t>In</a:t>
@@ -55679,7 +57067,7 @@
             </a:r>
             <a:r>
               <a:rPr/>
-              <a:t>asisgnnment</a:t>
+              <a:t>assignnment</a:t>
             </a:r>
             <a:r>
               <a:rPr/>
@@ -55743,103 +57131,127 @@
             </a:r>
             <a:r>
               <a:rPr/>
-              <a:t>These</a:t>
-            </a:r>
-            <a:r>
-              <a:rPr/>
-              <a:t> </a:t>
-            </a:r>
-            <a:r>
-              <a:rPr/>
-              <a:t>are</a:t>
-            </a:r>
-            <a:r>
-              <a:rPr/>
-              <a:t> </a:t>
-            </a:r>
-            <a:r>
-              <a:rPr/>
-              <a:t>important</a:t>
-            </a:r>
-            <a:r>
-              <a:rPr/>
-              <a:t> </a:t>
-            </a:r>
-            <a:r>
-              <a:rPr/>
-              <a:t>topics</a:t>
-            </a:r>
-            <a:r>
-              <a:rPr/>
-              <a:t> </a:t>
-            </a:r>
-            <a:r>
-              <a:rPr/>
-              <a:t>and</a:t>
-            </a:r>
-            <a:r>
-              <a:rPr/>
-              <a:t> </a:t>
-            </a:r>
-            <a:r>
-              <a:rPr/>
-              <a:t>I’ll</a:t>
-            </a:r>
-            <a:r>
-              <a:rPr/>
-              <a:t> </a:t>
-            </a:r>
-            <a:r>
-              <a:rPr/>
-              <a:t>be</a:t>
-            </a:r>
-            <a:r>
-              <a:rPr/>
-              <a:t> </a:t>
-            </a:r>
-            <a:r>
-              <a:rPr/>
-              <a:t>spending</a:t>
-            </a:r>
-            <a:r>
-              <a:rPr/>
-              <a:t> </a:t>
-            </a:r>
-            <a:r>
-              <a:rPr/>
-              <a:t>three</a:t>
-            </a:r>
-            <a:r>
-              <a:rPr/>
-              <a:t> </a:t>
-            </a:r>
-            <a:r>
-              <a:rPr/>
-              <a:t>full</a:t>
-            </a:r>
-            <a:r>
-              <a:rPr/>
-              <a:t> </a:t>
-            </a:r>
-            <a:r>
-              <a:rPr/>
-              <a:t>weeks</a:t>
-            </a:r>
-            <a:r>
-              <a:rPr/>
-              <a:t> </a:t>
-            </a:r>
-            <a:r>
-              <a:rPr/>
-              <a:t>on</a:t>
-            </a:r>
-            <a:r>
-              <a:rPr/>
-              <a:t> </a:t>
-            </a:r>
-            <a:r>
-              <a:rPr/>
-              <a:t>them.</a:t>
+              <a:t>The</a:t>
+            </a:r>
+            <a:r>
+              <a:rPr/>
+              <a:t> </a:t>
+            </a:r>
+            <a:r>
+              <a:rPr/>
+              <a:t>patients</a:t>
+            </a:r>
+            <a:r>
+              <a:rPr/>
+              <a:t> </a:t>
+            </a:r>
+            <a:r>
+              <a:rPr/>
+              <a:t>themselves</a:t>
+            </a:r>
+            <a:r>
+              <a:rPr/>
+              <a:t> </a:t>
+            </a:r>
+            <a:r>
+              <a:rPr/>
+              <a:t>control</a:t>
+            </a:r>
+            <a:r>
+              <a:rPr/>
+              <a:t> </a:t>
+            </a:r>
+            <a:r>
+              <a:rPr/>
+              <a:t>who</a:t>
+            </a:r>
+            <a:r>
+              <a:rPr/>
+              <a:t> </a:t>
+            </a:r>
+            <a:r>
+              <a:rPr/>
+              <a:t>gets</a:t>
+            </a:r>
+            <a:r>
+              <a:rPr/>
+              <a:t> </a:t>
+            </a:r>
+            <a:r>
+              <a:rPr/>
+              <a:t>what,</a:t>
+            </a:r>
+            <a:r>
+              <a:rPr/>
+              <a:t> </a:t>
+            </a:r>
+            <a:r>
+              <a:rPr/>
+              <a:t>or</a:t>
+            </a:r>
+            <a:r>
+              <a:rPr/>
+              <a:t> </a:t>
+            </a:r>
+            <a:r>
+              <a:rPr/>
+              <a:t>the</a:t>
+            </a:r>
+            <a:r>
+              <a:rPr/>
+              <a:t> </a:t>
+            </a:r>
+            <a:r>
+              <a:rPr/>
+              <a:t>choice</a:t>
+            </a:r>
+            <a:r>
+              <a:rPr/>
+              <a:t> </a:t>
+            </a:r>
+            <a:r>
+              <a:rPr/>
+              <a:t>is</a:t>
+            </a:r>
+            <a:r>
+              <a:rPr/>
+              <a:t> </a:t>
+            </a:r>
+            <a:r>
+              <a:rPr/>
+              <a:t>beyond</a:t>
+            </a:r>
+            <a:r>
+              <a:rPr/>
+              <a:t> </a:t>
+            </a:r>
+            <a:r>
+              <a:rPr/>
+              <a:t>the</a:t>
+            </a:r>
+            <a:r>
+              <a:rPr/>
+              <a:t> </a:t>
+            </a:r>
+            <a:r>
+              <a:rPr/>
+              <a:t>control</a:t>
+            </a:r>
+            <a:r>
+              <a:rPr/>
+              <a:t> </a:t>
+            </a:r>
+            <a:r>
+              <a:rPr/>
+              <a:t>of</a:t>
+            </a:r>
+            <a:r>
+              <a:rPr/>
+              <a:t> </a:t>
+            </a:r>
+            <a:r>
+              <a:rPr/>
+              <a:t>anyone.</a:t>
             </a:r>
           </a:p>
         </p:txBody>
@@ -60662,7 +62074,7 @@
             <a:spLocks noGrp="1"/>
           </p:cNvSpPr>
           <p:nvPr>
-            <p:ph type="subTitle" idx="1"/>
+            <p:ph idx="1" type="subTitle"/>
           </p:nvPr>
         </p:nvSpPr>
         <p:spPr>

--- a/clinical-research-methodology/results/video02-planning.pptx
+++ b/clinical-research-methodology/results/video02-planning.pptx
@@ -1085,7 +1085,15 @@
             </a:r>
             <a:r>
               <a:rPr/>
-              <a:t>Researchthat</a:t>
+              <a:t>Research</a:t>
+            </a:r>
+            <a:r>
+              <a:rPr/>
+              <a:t> </a:t>
+            </a:r>
+            <a:r>
+              <a:rPr/>
+              <a:t>that</a:t>
             </a:r>
             <a:r>
               <a:rPr/>
@@ -36313,7 +36321,7 @@
             </a:r>
             <a:r>
               <a:rPr/>
-              <a:t>labelling</a:t>
+              <a:t>labeling</a:t>
             </a:r>
             <a:r>
               <a:rPr/>
@@ -37323,7 +37331,7 @@
             </a:r>
             <a:r>
               <a:rPr/>
-              <a:t>drg</a:t>
+              <a:t>drug</a:t>
             </a:r>
             <a:r>
               <a:rPr/>
@@ -37340,30 +37348,6 @@
             <a:r>
               <a:rPr/>
               <a:t>process)</a:t>
-            </a:r>
-            <a:r>
-              <a:rPr/>
-              <a:t> </a:t>
-            </a:r>
-            <a:r>
-              <a:rPr/>
-              <a:t>for</a:t>
-            </a:r>
-            <a:r>
-              <a:rPr/>
-              <a:t> </a:t>
-            </a:r>
-            <a:r>
-              <a:rPr/>
-              <a:t>approved</a:t>
-            </a:r>
-            <a:r>
-              <a:rPr/>
-              <a:t> </a:t>
-            </a:r>
-            <a:r>
-              <a:rPr/>
-              <a:t>drugs</a:t>
             </a:r>
             <a:r>
               <a:rPr/>
@@ -40703,6 +40687,308 @@
             </a:pPr>
             <a:r>
               <a:rPr/>
+              <a:t>I’m</a:t>
+            </a:r>
+            <a:r>
+              <a:rPr/>
+              <a:t> </a:t>
+            </a:r>
+            <a:r>
+              <a:rPr/>
+              <a:t>working</a:t>
+            </a:r>
+            <a:r>
+              <a:rPr/>
+              <a:t> </a:t>
+            </a:r>
+            <a:r>
+              <a:rPr/>
+              <a:t>with</a:t>
+            </a:r>
+            <a:r>
+              <a:rPr/>
+              <a:t> </a:t>
+            </a:r>
+            <a:r>
+              <a:rPr/>
+              <a:t>a</a:t>
+            </a:r>
+            <a:r>
+              <a:rPr/>
+              <a:t> </a:t>
+            </a:r>
+            <a:r>
+              <a:rPr/>
+              <a:t>group</a:t>
+            </a:r>
+            <a:r>
+              <a:rPr/>
+              <a:t> </a:t>
+            </a:r>
+            <a:r>
+              <a:rPr/>
+              <a:t>that</a:t>
+            </a:r>
+            <a:r>
+              <a:rPr/>
+              <a:t> </a:t>
+            </a:r>
+            <a:r>
+              <a:rPr/>
+              <a:t>is</a:t>
+            </a:r>
+            <a:r>
+              <a:rPr/>
+              <a:t> </a:t>
+            </a:r>
+            <a:r>
+              <a:rPr/>
+              <a:t>making</a:t>
+            </a:r>
+            <a:r>
+              <a:rPr/>
+              <a:t> </a:t>
+            </a:r>
+            <a:r>
+              <a:rPr/>
+              <a:t>exterior</a:t>
+            </a:r>
+            <a:r>
+              <a:rPr/>
+              <a:t> </a:t>
+            </a:r>
+            <a:r>
+              <a:rPr/>
+              <a:t>evaluations</a:t>
+            </a:r>
+            <a:r>
+              <a:rPr/>
+              <a:t> </a:t>
+            </a:r>
+            <a:r>
+              <a:rPr/>
+              <a:t>of</a:t>
+            </a:r>
+            <a:r>
+              <a:rPr/>
+              <a:t> </a:t>
+            </a:r>
+            <a:r>
+              <a:rPr/>
+              <a:t>housing</a:t>
+            </a:r>
+            <a:r>
+              <a:rPr/>
+              <a:t> </a:t>
+            </a:r>
+            <a:r>
+              <a:rPr/>
+              <a:t>units</a:t>
+            </a:r>
+            <a:r>
+              <a:rPr/>
+              <a:t> </a:t>
+            </a:r>
+            <a:r>
+              <a:rPr/>
+              <a:t>because</a:t>
+            </a:r>
+            <a:r>
+              <a:rPr/>
+              <a:t> </a:t>
+            </a:r>
+            <a:r>
+              <a:rPr/>
+              <a:t>the</a:t>
+            </a:r>
+            <a:r>
+              <a:rPr/>
+              <a:t> </a:t>
+            </a:r>
+            <a:r>
+              <a:rPr/>
+              <a:t>environment</a:t>
+            </a:r>
+            <a:r>
+              <a:rPr/>
+              <a:t> </a:t>
+            </a:r>
+            <a:r>
+              <a:rPr/>
+              <a:t>where</a:t>
+            </a:r>
+            <a:r>
+              <a:rPr/>
+              <a:t> </a:t>
+            </a:r>
+            <a:r>
+              <a:rPr/>
+              <a:t>you</a:t>
+            </a:r>
+            <a:r>
+              <a:rPr/>
+              <a:t> </a:t>
+            </a:r>
+            <a:r>
+              <a:rPr/>
+              <a:t>live</a:t>
+            </a:r>
+            <a:r>
+              <a:rPr/>
+              <a:t> </a:t>
+            </a:r>
+            <a:r>
+              <a:rPr/>
+              <a:t>is</a:t>
+            </a:r>
+            <a:r>
+              <a:rPr/>
+              <a:t> </a:t>
+            </a:r>
+            <a:r>
+              <a:rPr/>
+              <a:t>such</a:t>
+            </a:r>
+            <a:r>
+              <a:rPr/>
+              <a:t> </a:t>
+            </a:r>
+            <a:r>
+              <a:rPr/>
+              <a:t>an</a:t>
+            </a:r>
+            <a:r>
+              <a:rPr/>
+              <a:t> </a:t>
+            </a:r>
+            <a:r>
+              <a:rPr/>
+              <a:t>important</a:t>
+            </a:r>
+            <a:r>
+              <a:rPr/>
+              <a:t> </a:t>
+            </a:r>
+            <a:r>
+              <a:rPr/>
+              <a:t>determinant</a:t>
+            </a:r>
+            <a:r>
+              <a:rPr/>
+              <a:t> </a:t>
+            </a:r>
+            <a:r>
+              <a:rPr/>
+              <a:t>of</a:t>
+            </a:r>
+            <a:r>
+              <a:rPr/>
+              <a:t> </a:t>
+            </a:r>
+            <a:r>
+              <a:rPr/>
+              <a:t>health.</a:t>
+            </a:r>
+            <a:r>
+              <a:rPr/>
+              <a:t> </a:t>
+            </a:r>
+            <a:r>
+              <a:rPr/>
+              <a:t>Houses</a:t>
+            </a:r>
+            <a:r>
+              <a:rPr/>
+              <a:t> </a:t>
+            </a:r>
+            <a:r>
+              <a:rPr/>
+              <a:t>aren’t</a:t>
+            </a:r>
+            <a:r>
+              <a:rPr/>
+              <a:t> </a:t>
+            </a:r>
+            <a:r>
+              <a:rPr/>
+              <a:t>people,</a:t>
+            </a:r>
+            <a:r>
+              <a:rPr/>
+              <a:t> </a:t>
+            </a:r>
+            <a:r>
+              <a:rPr/>
+              <a:t>so</a:t>
+            </a:r>
+            <a:r>
+              <a:rPr/>
+              <a:t> </a:t>
+            </a:r>
+            <a:r>
+              <a:rPr/>
+              <a:t>this</a:t>
+            </a:r>
+            <a:r>
+              <a:rPr/>
+              <a:t> </a:t>
+            </a:r>
+            <a:r>
+              <a:rPr/>
+              <a:t>work</a:t>
+            </a:r>
+            <a:r>
+              <a:rPr/>
+              <a:t> </a:t>
+            </a:r>
+            <a:r>
+              <a:rPr/>
+              <a:t>is</a:t>
+            </a:r>
+            <a:r>
+              <a:rPr/>
+              <a:t> </a:t>
+            </a:r>
+            <a:r>
+              <a:rPr/>
+              <a:t>exempt</a:t>
+            </a:r>
+            <a:r>
+              <a:rPr/>
+              <a:t> </a:t>
+            </a:r>
+            <a:r>
+              <a:rPr/>
+              <a:t>from</a:t>
+            </a:r>
+            <a:r>
+              <a:rPr/>
+              <a:t> </a:t>
+            </a:r>
+            <a:r>
+              <a:rPr/>
+              <a:t>IRB</a:t>
+            </a:r>
+            <a:r>
+              <a:rPr/>
+              <a:t> </a:t>
+            </a:r>
+            <a:r>
+              <a:rPr/>
+              <a:t>review.</a:t>
+            </a:r>
+          </a:p>
+          <a:p>
+            <a:pPr lvl="0" marL="0" indent="0">
+              <a:buNone/>
+            </a:pPr>
+          </a:p>
+          <a:p>
+            <a:pPr lvl="0" marL="0" indent="0">
+              <a:buNone/>
+            </a:pPr>
+            <a:r>
+              <a:rPr/>
               <a:t>Research</a:t>
             </a:r>
             <a:r>
@@ -40904,6 +41190,420 @@
             <a:r>
               <a:rPr/>
               <a:t>information.</a:t>
+            </a:r>
+          </a:p>
+          <a:p>
+            <a:pPr lvl="0" marL="0" indent="0">
+              <a:buNone/>
+            </a:pPr>
+          </a:p>
+          <a:p>
+            <a:pPr lvl="0" marL="0" indent="0">
+              <a:buNone/>
+            </a:pPr>
+            <a:r>
+              <a:rPr/>
+              <a:t>There</a:t>
+            </a:r>
+            <a:r>
+              <a:rPr/>
+              <a:t> </a:t>
+            </a:r>
+            <a:r>
+              <a:rPr/>
+              <a:t>are</a:t>
+            </a:r>
+            <a:r>
+              <a:rPr/>
+              <a:t> </a:t>
+            </a:r>
+            <a:r>
+              <a:rPr/>
+              <a:t>a</a:t>
+            </a:r>
+            <a:r>
+              <a:rPr/>
+              <a:t> </a:t>
+            </a:r>
+            <a:r>
+              <a:rPr/>
+              <a:t>few</a:t>
+            </a:r>
+            <a:r>
+              <a:rPr/>
+              <a:t> </a:t>
+            </a:r>
+            <a:r>
+              <a:rPr/>
+              <a:t>additional</a:t>
+            </a:r>
+            <a:r>
+              <a:rPr/>
+              <a:t> </a:t>
+            </a:r>
+            <a:r>
+              <a:rPr/>
+              <a:t>types</a:t>
+            </a:r>
+            <a:r>
+              <a:rPr/>
+              <a:t> </a:t>
+            </a:r>
+            <a:r>
+              <a:rPr/>
+              <a:t>of</a:t>
+            </a:r>
+            <a:r>
+              <a:rPr/>
+              <a:t> </a:t>
+            </a:r>
+            <a:r>
+              <a:rPr/>
+              <a:t>research</a:t>
+            </a:r>
+            <a:r>
+              <a:rPr/>
+              <a:t> </a:t>
+            </a:r>
+            <a:r>
+              <a:rPr/>
+              <a:t>that</a:t>
+            </a:r>
+            <a:r>
+              <a:rPr/>
+              <a:t> </a:t>
+            </a:r>
+            <a:r>
+              <a:rPr/>
+              <a:t>are</a:t>
+            </a:r>
+            <a:r>
+              <a:rPr/>
+              <a:t> </a:t>
+            </a:r>
+            <a:r>
+              <a:rPr/>
+              <a:t>exempt:</a:t>
+            </a:r>
+            <a:r>
+              <a:rPr/>
+              <a:t> </a:t>
+            </a:r>
+            <a:r>
+              <a:rPr/>
+              <a:t>some</a:t>
+            </a:r>
+            <a:r>
+              <a:rPr/>
+              <a:t> </a:t>
+            </a:r>
+            <a:r>
+              <a:rPr/>
+              <a:t>types</a:t>
+            </a:r>
+            <a:r>
+              <a:rPr/>
+              <a:t> </a:t>
+            </a:r>
+            <a:r>
+              <a:rPr/>
+              <a:t>of</a:t>
+            </a:r>
+            <a:r>
+              <a:rPr/>
+              <a:t> </a:t>
+            </a:r>
+            <a:r>
+              <a:rPr/>
+              <a:t>educational</a:t>
+            </a:r>
+            <a:r>
+              <a:rPr/>
+              <a:t> </a:t>
+            </a:r>
+            <a:r>
+              <a:rPr/>
+              <a:t>evaluations,</a:t>
+            </a:r>
+            <a:r>
+              <a:rPr/>
+              <a:t> </a:t>
+            </a:r>
+            <a:r>
+              <a:rPr/>
+              <a:t>for</a:t>
+            </a:r>
+            <a:r>
+              <a:rPr/>
+              <a:t> </a:t>
+            </a:r>
+            <a:r>
+              <a:rPr/>
+              <a:t>example,</a:t>
+            </a:r>
+            <a:r>
+              <a:rPr/>
+              <a:t> </a:t>
+            </a:r>
+            <a:r>
+              <a:rPr/>
+              <a:t>and</a:t>
+            </a:r>
+            <a:r>
+              <a:rPr/>
+              <a:t> </a:t>
+            </a:r>
+            <a:r>
+              <a:rPr/>
+              <a:t>observations</a:t>
+            </a:r>
+            <a:r>
+              <a:rPr/>
+              <a:t> </a:t>
+            </a:r>
+            <a:r>
+              <a:rPr/>
+              <a:t>made</a:t>
+            </a:r>
+            <a:r>
+              <a:rPr/>
+              <a:t> </a:t>
+            </a:r>
+            <a:r>
+              <a:rPr/>
+              <a:t>in</a:t>
+            </a:r>
+            <a:r>
+              <a:rPr/>
+              <a:t> </a:t>
+            </a:r>
+            <a:r>
+              <a:rPr/>
+              <a:t>a</a:t>
+            </a:r>
+            <a:r>
+              <a:rPr/>
+              <a:t> </a:t>
+            </a:r>
+            <a:r>
+              <a:rPr/>
+              <a:t>public</a:t>
+            </a:r>
+            <a:r>
+              <a:rPr/>
+              <a:t> </a:t>
+            </a:r>
+            <a:r>
+              <a:rPr/>
+              <a:t>setting.</a:t>
+            </a:r>
+            <a:r>
+              <a:rPr/>
+              <a:t> </a:t>
+            </a:r>
+            <a:r>
+              <a:rPr/>
+              <a:t>These</a:t>
+            </a:r>
+            <a:r>
+              <a:rPr/>
+              <a:t> </a:t>
+            </a:r>
+            <a:r>
+              <a:rPr/>
+              <a:t>are</a:t>
+            </a:r>
+            <a:r>
+              <a:rPr/>
+              <a:t> </a:t>
+            </a:r>
+            <a:r>
+              <a:rPr/>
+              <a:t>not</a:t>
+            </a:r>
+            <a:r>
+              <a:rPr/>
+              <a:t> </a:t>
+            </a:r>
+            <a:r>
+              <a:rPr/>
+              <a:t>as</a:t>
+            </a:r>
+            <a:r>
+              <a:rPr/>
+              <a:t> </a:t>
+            </a:r>
+            <a:r>
+              <a:rPr/>
+              <a:t>common–the</a:t>
+            </a:r>
+            <a:r>
+              <a:rPr/>
+              <a:t> </a:t>
+            </a:r>
+            <a:r>
+              <a:rPr/>
+              <a:t>big</a:t>
+            </a:r>
+            <a:r>
+              <a:rPr/>
+              <a:t> </a:t>
+            </a:r>
+            <a:r>
+              <a:rPr/>
+              <a:t>two</a:t>
+            </a:r>
+            <a:r>
+              <a:rPr/>
+              <a:t> </a:t>
+            </a:r>
+            <a:r>
+              <a:rPr/>
+              <a:t>reasons</a:t>
+            </a:r>
+            <a:r>
+              <a:rPr/>
+              <a:t> </a:t>
+            </a:r>
+            <a:r>
+              <a:rPr/>
+              <a:t>why</a:t>
+            </a:r>
+            <a:r>
+              <a:rPr/>
+              <a:t> </a:t>
+            </a:r>
+            <a:r>
+              <a:rPr/>
+              <a:t>your</a:t>
+            </a:r>
+            <a:r>
+              <a:rPr/>
+              <a:t> </a:t>
+            </a:r>
+            <a:r>
+              <a:rPr/>
+              <a:t>study</a:t>
+            </a:r>
+            <a:r>
+              <a:rPr/>
+              <a:t> </a:t>
+            </a:r>
+            <a:r>
+              <a:rPr/>
+              <a:t>is</a:t>
+            </a:r>
+            <a:r>
+              <a:rPr/>
+              <a:t> </a:t>
+            </a:r>
+            <a:r>
+              <a:rPr/>
+              <a:t>exempt</a:t>
+            </a:r>
+            <a:r>
+              <a:rPr/>
+              <a:t> </a:t>
+            </a:r>
+            <a:r>
+              <a:rPr/>
+              <a:t>are</a:t>
+            </a:r>
+            <a:r>
+              <a:rPr/>
+              <a:t> </a:t>
+            </a:r>
+            <a:r>
+              <a:rPr/>
+              <a:t>because</a:t>
+            </a:r>
+            <a:r>
+              <a:rPr/>
+              <a:t> </a:t>
+            </a:r>
+            <a:r>
+              <a:rPr/>
+              <a:t>it</a:t>
+            </a:r>
+            <a:r>
+              <a:rPr/>
+              <a:t> </a:t>
+            </a:r>
+            <a:r>
+              <a:rPr/>
+              <a:t>is</a:t>
+            </a:r>
+            <a:r>
+              <a:rPr/>
+              <a:t> </a:t>
+            </a:r>
+            <a:r>
+              <a:rPr/>
+              <a:t>not</a:t>
+            </a:r>
+            <a:r>
+              <a:rPr/>
+              <a:t> </a:t>
+            </a:r>
+            <a:r>
+              <a:rPr/>
+              <a:t>research</a:t>
+            </a:r>
+            <a:r>
+              <a:rPr/>
+              <a:t> </a:t>
+            </a:r>
+            <a:r>
+              <a:rPr/>
+              <a:t>or</a:t>
+            </a:r>
+            <a:r>
+              <a:rPr/>
+              <a:t> </a:t>
+            </a:r>
+            <a:r>
+              <a:rPr/>
+              <a:t>it</a:t>
+            </a:r>
+            <a:r>
+              <a:rPr/>
+              <a:t> </a:t>
+            </a:r>
+            <a:r>
+              <a:rPr/>
+              <a:t>does</a:t>
+            </a:r>
+            <a:r>
+              <a:rPr/>
+              <a:t> </a:t>
+            </a:r>
+            <a:r>
+              <a:rPr/>
+              <a:t>not</a:t>
+            </a:r>
+            <a:r>
+              <a:rPr/>
+              <a:t> </a:t>
+            </a:r>
+            <a:r>
+              <a:rPr/>
+              <a:t>involve</a:t>
+            </a:r>
+            <a:r>
+              <a:rPr/>
+              <a:t> </a:t>
+            </a:r>
+            <a:r>
+              <a:rPr/>
+              <a:t>human</a:t>
+            </a:r>
+            <a:r>
+              <a:rPr/>
+              <a:t> </a:t>
+            </a:r>
+            <a:r>
+              <a:rPr/>
+              <a:t>subjects.</a:t>
             </a:r>
           </a:p>
           <a:p>
@@ -55545,7 +56245,7 @@
             </a:r>
             <a:r>
               <a:rPr/>
-              <a:t>hyothesis,</a:t>
+              <a:t>hypothesis,</a:t>
             </a:r>
             <a:r>
               <a:rPr/>
@@ -57711,47 +58411,7 @@
             </a:r>
             <a:r>
               <a:rPr/>
-              <a:t>improvement</a:t>
-            </a:r>
-            <a:r>
-              <a:rPr/>
-              <a:t> </a:t>
-            </a:r>
-            <a:r>
-              <a:rPr/>
-              <a:t>(ethical</a:t>
-            </a:r>
-            <a:r>
-              <a:rPr/>
-              <a:t> </a:t>
-            </a:r>
-            <a:r>
-              <a:rPr/>
-              <a:t>conduct,</a:t>
-            </a:r>
-            <a:r>
-              <a:rPr/>
-              <a:t> </a:t>
-            </a:r>
-            <a:r>
-              <a:rPr/>
-              <a:t>I</a:t>
-            </a:r>
-            <a:r>
-              <a:rPr/>
-              <a:t> </a:t>
-            </a:r>
-            <a:r>
-              <a:rPr/>
-              <a:t>should</a:t>
-            </a:r>
-            <a:r>
-              <a:rPr/>
-              <a:t> </a:t>
-            </a:r>
-            <a:r>
-              <a:rPr/>
-              <a:t>say)</a:t>
+              <a:t>conduct</a:t>
             </a:r>
             <a:r>
               <a:rPr/>
@@ -57967,7 +58627,7 @@
             </a:r>
             <a:r>
               <a:rPr/>
-              <a:t>yours</a:t>
+              <a:t>your</a:t>
             </a:r>
             <a:r>
               <a:rPr/>
@@ -62149,7 +62809,15 @@
             </a:pPr>
             <a:r>
               <a:rPr/>
-              <a:t>Steps</a:t>
+              <a:t>Step</a:t>
+            </a:r>
+            <a:r>
+              <a:rPr/>
+              <a:t> </a:t>
+            </a:r>
+            <a:r>
+              <a:rPr/>
+              <a:t>7</a:t>
             </a:r>
             <a:r>
               <a:rPr/>
@@ -62204,7 +62872,7 @@
             <a:pPr lvl="1"/>
             <a:r>
               <a:rPr/>
-              <a:t>Step 7: Collect your data</a:t>
+              <a:t>Collect your data</a:t>
             </a:r>
           </a:p>
           <a:p>
@@ -62265,7 +62933,15 @@
             </a:pPr>
             <a:r>
               <a:rPr/>
-              <a:t>Steps</a:t>
+              <a:t>Step</a:t>
+            </a:r>
+            <a:r>
+              <a:rPr/>
+              <a:t> </a:t>
+            </a:r>
+            <a:r>
+              <a:rPr/>
+              <a:t>8</a:t>
             </a:r>
             <a:r>
               <a:rPr/>
@@ -62320,7 +62996,7 @@
             <a:pPr lvl="1"/>
             <a:r>
               <a:rPr/>
-              <a:t>Step 8: Analyze your data</a:t>
+              <a:t>Analyze your data</a:t>
             </a:r>
           </a:p>
           <a:p>
@@ -62381,7 +63057,15 @@
             </a:pPr>
             <a:r>
               <a:rPr/>
-              <a:t>Steps</a:t>
+              <a:t>Step</a:t>
+            </a:r>
+            <a:r>
+              <a:rPr/>
+              <a:t> </a:t>
+            </a:r>
+            <a:r>
+              <a:rPr/>
+              <a:t>9</a:t>
             </a:r>
             <a:r>
               <a:rPr/>
@@ -62436,7 +63120,7 @@
             <a:pPr lvl="1"/>
             <a:r>
               <a:rPr/>
-              <a:t>Step 9: Interpret your data</a:t>
+              <a:t>Interpret your data</a:t>
             </a:r>
           </a:p>
           <a:p>
@@ -62497,7 +63181,15 @@
             </a:pPr>
             <a:r>
               <a:rPr/>
-              <a:t>Steps</a:t>
+              <a:t>Step</a:t>
+            </a:r>
+            <a:r>
+              <a:rPr/>
+              <a:t> </a:t>
+            </a:r>
+            <a:r>
+              <a:rPr/>
+              <a:t>10</a:t>
             </a:r>
             <a:r>
               <a:rPr/>
@@ -62552,7 +63244,7 @@
             <a:pPr lvl="1"/>
             <a:r>
               <a:rPr/>
-              <a:t>Step 10: Communicate your findings</a:t>
+              <a:t>Communicate your findings</a:t>
             </a:r>
           </a:p>
           <a:p>
@@ -62738,30 +63430,6 @@
             <a:pPr lvl="0" marL="0" indent="0">
               <a:buNone/>
             </a:pPr>
-            <a:r>
-              <a:rPr/>
-              <a:t>Step</a:t>
-            </a:r>
-            <a:r>
-              <a:rPr/>
-              <a:t> </a:t>
-            </a:r>
-            <a:r>
-              <a:rPr/>
-              <a:t>1</a:t>
-            </a:r>
-            <a:r>
-              <a:rPr/>
-              <a:t> </a:t>
-            </a:r>
-            <a:r>
-              <a:rPr/>
-              <a:t>-</a:t>
-            </a:r>
-            <a:r>
-              <a:rPr/>
-              <a:t> </a:t>
-            </a:r>
             <a:r>
               <a:rPr/>
               <a:t>Identify</a:t>
@@ -64431,13 +65099,6 @@
             <a:pPr lvl="1"/>
             <a:r>
               <a:rPr/>
-              <a:t>Federal Food, Drug, and Cosmetic Act (1938)</a:t>
-            </a:r>
-          </a:p>
-          <a:p>
-            <a:pPr lvl="1"/>
-            <a:r>
-              <a:rPr/>
               <a:t>Nuremberg code (1947)</a:t>
             </a:r>
           </a:p>
@@ -64748,6 +65409,13 @@
             <a:r>
               <a:rPr/>
               <a:t>use of private information.</a:t>
+            </a:r>
+          </a:p>
+          <a:p>
+            <a:pPr lvl="1"/>
+            <a:r>
+              <a:rPr/>
+              <a:t>Other minor exemption categories</a:t>
             </a:r>
           </a:p>
         </p:txBody>
@@ -65925,7 +66593,15 @@
             </a:pPr>
             <a:r>
               <a:rPr/>
-              <a:t>Steps</a:t>
+              <a:t>Step</a:t>
+            </a:r>
+            <a:r>
+              <a:rPr/>
+              <a:t> </a:t>
+            </a:r>
+            <a:r>
+              <a:rPr/>
+              <a:t>1</a:t>
             </a:r>
             <a:r>
               <a:rPr/>
@@ -65980,7 +66656,7 @@
             <a:pPr lvl="1"/>
             <a:r>
               <a:rPr/>
-              <a:t>Step 1: Identify a research problem</a:t>
+              <a:t>Identify a research problem</a:t>
             </a:r>
           </a:p>
           <a:p>
@@ -66041,7 +66717,15 @@
             </a:pPr>
             <a:r>
               <a:rPr/>
-              <a:t>Steps</a:t>
+              <a:t>Step</a:t>
+            </a:r>
+            <a:r>
+              <a:rPr/>
+              <a:t> </a:t>
+            </a:r>
+            <a:r>
+              <a:rPr/>
+              <a:t>2</a:t>
             </a:r>
             <a:r>
               <a:rPr/>
@@ -66096,7 +66780,7 @@
             <a:pPr lvl="1"/>
             <a:r>
               <a:rPr/>
-              <a:t>Step 2: Conduct your literature review</a:t>
+              <a:t>Conduct your literature review</a:t>
             </a:r>
           </a:p>
           <a:p>
@@ -66164,7 +66848,15 @@
             </a:pPr>
             <a:r>
               <a:rPr/>
-              <a:t>Steps</a:t>
+              <a:t>Step</a:t>
+            </a:r>
+            <a:r>
+              <a:rPr/>
+              <a:t> </a:t>
+            </a:r>
+            <a:r>
+              <a:rPr/>
+              <a:t>3</a:t>
             </a:r>
             <a:r>
               <a:rPr/>
@@ -66219,7 +66911,7 @@
             <a:pPr lvl="1"/>
             <a:r>
               <a:rPr/>
-              <a:t>Step 3: Specify your research hypothesis</a:t>
+              <a:t>Specify your research hypothesis</a:t>
             </a:r>
           </a:p>
           <a:p>
@@ -66294,7 +66986,15 @@
             </a:pPr>
             <a:r>
               <a:rPr/>
-              <a:t>Steps</a:t>
+              <a:t>Step</a:t>
+            </a:r>
+            <a:r>
+              <a:rPr/>
+              <a:t> </a:t>
+            </a:r>
+            <a:r>
+              <a:rPr/>
+              <a:t>4</a:t>
             </a:r>
             <a:r>
               <a:rPr/>
@@ -66349,7 +67049,7 @@
             <a:pPr lvl="1"/>
             <a:r>
               <a:rPr/>
-              <a:t>Step 4: Select your research approach</a:t>
+              <a:t>Select your research approach</a:t>
             </a:r>
           </a:p>
           <a:p>
@@ -66417,7 +67117,7 @@
             </a:pPr>
             <a:r>
               <a:rPr/>
-              <a:t>Steps</a:t>
+              <a:t>Step5</a:t>
             </a:r>
             <a:r>
               <a:rPr/>
@@ -66472,7 +67172,7 @@
             <a:pPr lvl="1"/>
             <a:r>
               <a:rPr/>
-              <a:t>Step 5: Create a plan for your research</a:t>
+              <a:t>Create a plan for your research</a:t>
             </a:r>
           </a:p>
           <a:p>
@@ -66533,7 +67233,15 @@
             </a:pPr>
             <a:r>
               <a:rPr/>
-              <a:t>Steps</a:t>
+              <a:t>Step</a:t>
+            </a:r>
+            <a:r>
+              <a:rPr/>
+              <a:t> </a:t>
+            </a:r>
+            <a:r>
+              <a:rPr/>
+              <a:t>6</a:t>
             </a:r>
             <a:r>
               <a:rPr/>
@@ -66588,7 +67296,7 @@
             <a:pPr lvl="1"/>
             <a:r>
               <a:rPr/>
-              <a:t>Step 6: Obtain ethical approval</a:t>
+              <a:t>Obtain ethical approval</a:t>
             </a:r>
           </a:p>
           <a:p>

--- a/clinical-research-methodology/results/video02-planning.pptx
+++ b/clinical-research-methodology/results/video02-planning.pptx
@@ -1783,7 +1783,7 @@
             </a:r>
             <a:r>
               <a:rPr/>
-              <a:t>regresion,</a:t>
+              <a:t>regression,</a:t>
             </a:r>
             <a:r>
               <a:rPr/>
@@ -2169,7 +2169,7 @@
             </a:r>
             <a:r>
               <a:rPr/>
-              <a:t>secton</a:t>
+              <a:t>section</a:t>
             </a:r>
             <a:r>
               <a:rPr/>
@@ -5871,15 +5871,7 @@
             </a:r>
             <a:r>
               <a:rPr/>
-              <a:t>community</a:t>
-            </a:r>
-            <a:r>
-              <a:rPr/>
-              <a:t> </a:t>
-            </a:r>
-            <a:r>
-              <a:rPr/>
-              <a:t>or</a:t>
+              <a:t>community-based</a:t>
             </a:r>
             <a:r>
               <a:rPr/>
@@ -7203,6 +7195,166 @@
               <a:rPr/>
               <a:t>collected.</a:t>
             </a:r>
+            <a:r>
+              <a:rPr/>
+              <a:t> </a:t>
+            </a:r>
+            <a:r>
+              <a:rPr/>
+              <a:t>They</a:t>
+            </a:r>
+            <a:r>
+              <a:rPr/>
+              <a:t> </a:t>
+            </a:r>
+            <a:r>
+              <a:rPr/>
+              <a:t>put</a:t>
+            </a:r>
+            <a:r>
+              <a:rPr/>
+              <a:t> </a:t>
+            </a:r>
+            <a:r>
+              <a:rPr/>
+              <a:t>60</a:t>
+            </a:r>
+            <a:r>
+              <a:rPr/>
+              <a:t> </a:t>
+            </a:r>
+            <a:r>
+              <a:rPr/>
+              <a:t>questions</a:t>
+            </a:r>
+            <a:r>
+              <a:rPr/>
+              <a:t> </a:t>
+            </a:r>
+            <a:r>
+              <a:rPr/>
+              <a:t>on</a:t>
+            </a:r>
+            <a:r>
+              <a:rPr/>
+              <a:t> </a:t>
+            </a:r>
+            <a:r>
+              <a:rPr/>
+              <a:t>a</a:t>
+            </a:r>
+            <a:r>
+              <a:rPr/>
+              <a:t> </a:t>
+            </a:r>
+            <a:r>
+              <a:rPr/>
+              <a:t>questionnaire,</a:t>
+            </a:r>
+            <a:r>
+              <a:rPr/>
+              <a:t> </a:t>
+            </a:r>
+            <a:r>
+              <a:rPr/>
+              <a:t>for</a:t>
+            </a:r>
+            <a:r>
+              <a:rPr/>
+              <a:t> </a:t>
+            </a:r>
+            <a:r>
+              <a:rPr/>
+              <a:t>example,</a:t>
+            </a:r>
+            <a:r>
+              <a:rPr/>
+              <a:t> </a:t>
+            </a:r>
+            <a:r>
+              <a:rPr/>
+              <a:t>but</a:t>
+            </a:r>
+            <a:r>
+              <a:rPr/>
+              <a:t> </a:t>
+            </a:r>
+            <a:r>
+              <a:rPr/>
+              <a:t>did</a:t>
+            </a:r>
+            <a:r>
+              <a:rPr/>
+              <a:t> </a:t>
+            </a:r>
+            <a:r>
+              <a:rPr/>
+              <a:t>a</a:t>
+            </a:r>
+            <a:r>
+              <a:rPr/>
+              <a:t> </a:t>
+            </a:r>
+            <a:r>
+              <a:rPr/>
+              <a:t>serious</a:t>
+            </a:r>
+            <a:r>
+              <a:rPr/>
+              <a:t> </a:t>
+            </a:r>
+            <a:r>
+              <a:rPr/>
+              <a:t>analysis</a:t>
+            </a:r>
+            <a:r>
+              <a:rPr/>
+              <a:t> </a:t>
+            </a:r>
+            <a:r>
+              <a:rPr/>
+              <a:t>on</a:t>
+            </a:r>
+            <a:r>
+              <a:rPr/>
+              <a:t> </a:t>
+            </a:r>
+            <a:r>
+              <a:rPr/>
+              <a:t>only</a:t>
+            </a:r>
+            <a:r>
+              <a:rPr/>
+              <a:t> </a:t>
+            </a:r>
+            <a:r>
+              <a:rPr/>
+              <a:t>5</a:t>
+            </a:r>
+            <a:r>
+              <a:rPr/>
+              <a:t> </a:t>
+            </a:r>
+            <a:r>
+              <a:rPr/>
+              <a:t>of</a:t>
+            </a:r>
+            <a:r>
+              <a:rPr/>
+              <a:t> </a:t>
+            </a:r>
+            <a:r>
+              <a:rPr/>
+              <a:t>those</a:t>
+            </a:r>
+            <a:r>
+              <a:rPr/>
+              <a:t> </a:t>
+            </a:r>
+            <a:r>
+              <a:rPr/>
+              <a:t>questions.</a:t>
+            </a:r>
           </a:p>
           <a:p>
             <a:pPr lvl="0" marL="0" indent="0">
@@ -7271,7 +7423,7 @@
             </a:r>
             <a:r>
               <a:rPr/>
-              <a:t>disseration</a:t>
+              <a:t>dissertation</a:t>
             </a:r>
             <a:r>
               <a:rPr/>
@@ -9041,6 +9193,22 @@
             </a:pPr>
             <a:r>
               <a:rPr/>
+              <a:t>So</a:t>
+            </a:r>
+            <a:r>
+              <a:rPr/>
+              <a:t> </a:t>
+            </a:r>
+            <a:r>
+              <a:rPr/>
+              <a:t>is</a:t>
+            </a:r>
+            <a:r>
+              <a:rPr/>
+              <a:t> </a:t>
+            </a:r>
+            <a:r>
+              <a:rPr/>
               <a:t>Working</a:t>
             </a:r>
             <a:r>
@@ -9138,6 +9306,222 @@
             <a:r>
               <a:rPr/>
               <a:t>question.</a:t>
+            </a:r>
+            <a:r>
+              <a:rPr/>
+              <a:t> </a:t>
+            </a:r>
+            <a:r>
+              <a:rPr/>
+              <a:t>It</a:t>
+            </a:r>
+            <a:r>
+              <a:rPr/>
+              <a:t> </a:t>
+            </a:r>
+            <a:r>
+              <a:rPr/>
+              <a:t>all</a:t>
+            </a:r>
+            <a:r>
+              <a:rPr/>
+              <a:t> </a:t>
+            </a:r>
+            <a:r>
+              <a:rPr/>
+              <a:t>comes</a:t>
+            </a:r>
+            <a:r>
+              <a:rPr/>
+              <a:t> </a:t>
+            </a:r>
+            <a:r>
+              <a:rPr/>
+              <a:t>down</a:t>
+            </a:r>
+            <a:r>
+              <a:rPr/>
+              <a:t> </a:t>
+            </a:r>
+            <a:r>
+              <a:rPr/>
+              <a:t>to</a:t>
+            </a:r>
+            <a:r>
+              <a:rPr/>
+              <a:t> </a:t>
+            </a:r>
+            <a:r>
+              <a:rPr/>
+              <a:t>the</a:t>
+            </a:r>
+            <a:r>
+              <a:rPr/>
+              <a:t> </a:t>
+            </a:r>
+            <a:r>
+              <a:rPr/>
+              <a:t>question:</a:t>
+            </a:r>
+            <a:r>
+              <a:rPr/>
+              <a:t> </a:t>
+            </a:r>
+            <a:r>
+              <a:rPr/>
+              <a:t>do</a:t>
+            </a:r>
+            <a:r>
+              <a:rPr/>
+              <a:t> </a:t>
+            </a:r>
+            <a:r>
+              <a:rPr/>
+              <a:t>you</a:t>
+            </a:r>
+            <a:r>
+              <a:rPr/>
+              <a:t> </a:t>
+            </a:r>
+            <a:r>
+              <a:rPr/>
+              <a:t>want</a:t>
+            </a:r>
+            <a:r>
+              <a:rPr/>
+              <a:t> </a:t>
+            </a:r>
+            <a:r>
+              <a:rPr/>
+              <a:t>to</a:t>
+            </a:r>
+            <a:r>
+              <a:rPr/>
+              <a:t> </a:t>
+            </a:r>
+            <a:r>
+              <a:rPr/>
+              <a:t>be</a:t>
+            </a:r>
+            <a:r>
+              <a:rPr/>
+              <a:t> </a:t>
+            </a:r>
+            <a:r>
+              <a:rPr/>
+              <a:t>a</a:t>
+            </a:r>
+            <a:r>
+              <a:rPr/>
+              <a:t> </a:t>
+            </a:r>
+            <a:r>
+              <a:rPr/>
+              <a:t>big</a:t>
+            </a:r>
+            <a:r>
+              <a:rPr/>
+              <a:t> </a:t>
+            </a:r>
+            <a:r>
+              <a:rPr/>
+              <a:t>fish</a:t>
+            </a:r>
+            <a:r>
+              <a:rPr/>
+              <a:t> </a:t>
+            </a:r>
+            <a:r>
+              <a:rPr/>
+              <a:t>in</a:t>
+            </a:r>
+            <a:r>
+              <a:rPr/>
+              <a:t> </a:t>
+            </a:r>
+            <a:r>
+              <a:rPr/>
+              <a:t>a</a:t>
+            </a:r>
+            <a:r>
+              <a:rPr/>
+              <a:t> </a:t>
+            </a:r>
+            <a:r>
+              <a:rPr/>
+              <a:t>small</a:t>
+            </a:r>
+            <a:r>
+              <a:rPr/>
+              <a:t> </a:t>
+            </a:r>
+            <a:r>
+              <a:rPr/>
+              <a:t>pond</a:t>
+            </a:r>
+            <a:r>
+              <a:rPr/>
+              <a:t> </a:t>
+            </a:r>
+            <a:r>
+              <a:rPr/>
+              <a:t>or</a:t>
+            </a:r>
+            <a:r>
+              <a:rPr/>
+              <a:t> </a:t>
+            </a:r>
+            <a:r>
+              <a:rPr/>
+              <a:t>a</a:t>
+            </a:r>
+            <a:r>
+              <a:rPr/>
+              <a:t> </a:t>
+            </a:r>
+            <a:r>
+              <a:rPr/>
+              <a:t>small</a:t>
+            </a:r>
+            <a:r>
+              <a:rPr/>
+              <a:t> </a:t>
+            </a:r>
+            <a:r>
+              <a:rPr/>
+              <a:t>fish</a:t>
+            </a:r>
+            <a:r>
+              <a:rPr/>
+              <a:t> </a:t>
+            </a:r>
+            <a:r>
+              <a:rPr/>
+              <a:t>in</a:t>
+            </a:r>
+            <a:r>
+              <a:rPr/>
+              <a:t> </a:t>
+            </a:r>
+            <a:r>
+              <a:rPr/>
+              <a:t>a</a:t>
+            </a:r>
+            <a:r>
+              <a:rPr/>
+              <a:t> </a:t>
+            </a:r>
+            <a:r>
+              <a:rPr/>
+              <a:t>big</a:t>
+            </a:r>
+            <a:r>
+              <a:rPr/>
+              <a:t> </a:t>
+            </a:r>
+            <a:r>
+              <a:rPr/>
+              <a:t>pond?</a:t>
             </a:r>
           </a:p>
           <a:p>
@@ -9151,31 +9535,47 @@
             </a:pPr>
             <a:r>
               <a:rPr/>
-              <a:t>It</a:t>
-            </a:r>
-            <a:r>
-              <a:rPr/>
-              <a:t> </a:t>
-            </a:r>
-            <a:r>
-              <a:rPr/>
-              <a:t>all</a:t>
-            </a:r>
-            <a:r>
-              <a:rPr/>
-              <a:t> </a:t>
-            </a:r>
-            <a:r>
-              <a:rPr/>
-              <a:t>comes</a:t>
-            </a:r>
-            <a:r>
-              <a:rPr/>
-              <a:t> </a:t>
-            </a:r>
-            <a:r>
-              <a:rPr/>
-              <a:t>down</a:t>
+              <a:t>Closely</a:t>
+            </a:r>
+            <a:r>
+              <a:rPr/>
+              <a:t> </a:t>
+            </a:r>
+            <a:r>
+              <a:rPr/>
+              <a:t>related</a:t>
+            </a:r>
+            <a:r>
+              <a:rPr/>
+              <a:t> </a:t>
+            </a:r>
+            <a:r>
+              <a:rPr/>
+              <a:t>is</a:t>
+            </a:r>
+            <a:r>
+              <a:rPr/>
+              <a:t> </a:t>
+            </a:r>
+            <a:r>
+              <a:rPr/>
+              <a:t>whether</a:t>
+            </a:r>
+            <a:r>
+              <a:rPr/>
+              <a:t> </a:t>
+            </a:r>
+            <a:r>
+              <a:rPr/>
+              <a:t>you</a:t>
+            </a:r>
+            <a:r>
+              <a:rPr/>
+              <a:t> </a:t>
+            </a:r>
+            <a:r>
+              <a:rPr/>
+              <a:t>want</a:t>
             </a:r>
             <a:r>
               <a:rPr/>
@@ -9191,6 +9591,38 @@
             </a:r>
             <a:r>
               <a:rPr/>
+              <a:t>be</a:t>
+            </a:r>
+            <a:r>
+              <a:rPr/>
+              <a:t> </a:t>
+            </a:r>
+            <a:r>
+              <a:rPr/>
+              <a:t>a</a:t>
+            </a:r>
+            <a:r>
+              <a:rPr/>
+              <a:t> </a:t>
+            </a:r>
+            <a:r>
+              <a:rPr/>
+              <a:t>pioneer</a:t>
+            </a:r>
+            <a:r>
+              <a:rPr/>
+              <a:t> </a:t>
+            </a:r>
+            <a:r>
+              <a:rPr/>
+              <a:t>and</a:t>
+            </a:r>
+            <a:r>
+              <a:rPr/>
+              <a:t> </a:t>
+            </a:r>
+            <a:r>
+              <a:rPr/>
               <a:t>the</a:t>
             </a:r>
             <a:r>
@@ -9199,7 +9631,63 @@
             </a:r>
             <a:r>
               <a:rPr/>
-              <a:t>question:</a:t>
+              <a:t>first</a:t>
+            </a:r>
+            <a:r>
+              <a:rPr/>
+              <a:t> </a:t>
+            </a:r>
+            <a:r>
+              <a:rPr/>
+              <a:t>to</a:t>
+            </a:r>
+            <a:r>
+              <a:rPr/>
+              <a:t> </a:t>
+            </a:r>
+            <a:r>
+              <a:rPr/>
+              <a:t>embark</a:t>
+            </a:r>
+            <a:r>
+              <a:rPr/>
+              <a:t> </a:t>
+            </a:r>
+            <a:r>
+              <a:rPr/>
+              <a:t>in</a:t>
+            </a:r>
+            <a:r>
+              <a:rPr/>
+              <a:t> </a:t>
+            </a:r>
+            <a:r>
+              <a:rPr/>
+              <a:t>a</a:t>
+            </a:r>
+            <a:r>
+              <a:rPr/>
+              <a:t> </a:t>
+            </a:r>
+            <a:r>
+              <a:rPr/>
+              <a:t>new</a:t>
+            </a:r>
+            <a:r>
+              <a:rPr/>
+              <a:t> </a:t>
+            </a:r>
+            <a:r>
+              <a:rPr/>
+              <a:t>area,</a:t>
+            </a:r>
+            <a:r>
+              <a:rPr/>
+              <a:t> </a:t>
+            </a:r>
+            <a:r>
+              <a:rPr/>
+              <a:t>or</a:t>
             </a:r>
             <a:r>
               <a:rPr/>
@@ -9239,7 +9727,15 @@
             </a:r>
             <a:r>
               <a:rPr/>
-              <a:t>be</a:t>
+              <a:t>add</a:t>
+            </a:r>
+            <a:r>
+              <a:rPr/>
+              <a:t> </a:t>
+            </a:r>
+            <a:r>
+              <a:rPr/>
+              <a:t>to</a:t>
             </a:r>
             <a:r>
               <a:rPr/>
@@ -9255,111 +9751,47 @@
             </a:r>
             <a:r>
               <a:rPr/>
-              <a:t>big</a:t>
-            </a:r>
-            <a:r>
-              <a:rPr/>
-              <a:t> </a:t>
-            </a:r>
-            <a:r>
-              <a:rPr/>
-              <a:t>fish</a:t>
-            </a:r>
-            <a:r>
-              <a:rPr/>
-              <a:t> </a:t>
-            </a:r>
-            <a:r>
-              <a:rPr/>
-              <a:t>in</a:t>
-            </a:r>
-            <a:r>
-              <a:rPr/>
-              <a:t> </a:t>
-            </a:r>
-            <a:r>
-              <a:rPr/>
-              <a:t>a</a:t>
-            </a:r>
-            <a:r>
-              <a:rPr/>
-              <a:t> </a:t>
-            </a:r>
-            <a:r>
-              <a:rPr/>
-              <a:t>small</a:t>
-            </a:r>
-            <a:r>
-              <a:rPr/>
-              <a:t> </a:t>
-            </a:r>
-            <a:r>
-              <a:rPr/>
-              <a:t>pond</a:t>
-            </a:r>
-            <a:r>
-              <a:rPr/>
-              <a:t> </a:t>
-            </a:r>
-            <a:r>
-              <a:rPr/>
-              <a:t>or</a:t>
-            </a:r>
-            <a:r>
-              <a:rPr/>
-              <a:t> </a:t>
-            </a:r>
-            <a:r>
-              <a:rPr/>
-              <a:t>a</a:t>
-            </a:r>
-            <a:r>
-              <a:rPr/>
-              <a:t> </a:t>
-            </a:r>
-            <a:r>
-              <a:rPr/>
-              <a:t>small</a:t>
-            </a:r>
-            <a:r>
-              <a:rPr/>
-              <a:t> </a:t>
-            </a:r>
-            <a:r>
-              <a:rPr/>
-              <a:t>fish</a:t>
-            </a:r>
-            <a:r>
-              <a:rPr/>
-              <a:t> </a:t>
-            </a:r>
-            <a:r>
-              <a:rPr/>
-              <a:t>in</a:t>
-            </a:r>
-            <a:r>
-              <a:rPr/>
-              <a:t> </a:t>
-            </a:r>
-            <a:r>
-              <a:rPr/>
-              <a:t>a</a:t>
-            </a:r>
-            <a:r>
-              <a:rPr/>
-              <a:t> </a:t>
-            </a:r>
-            <a:r>
-              <a:rPr/>
-              <a:t>big</a:t>
-            </a:r>
-            <a:r>
-              <a:rPr/>
-              <a:t> </a:t>
-            </a:r>
-            <a:r>
-              <a:rPr/>
-              <a:t>pond?</a:t>
+              <a:t>problem</a:t>
+            </a:r>
+            <a:r>
+              <a:rPr/>
+              <a:t> </a:t>
+            </a:r>
+            <a:r>
+              <a:rPr/>
+              <a:t>that</a:t>
+            </a:r>
+            <a:r>
+              <a:rPr/>
+              <a:t> </a:t>
+            </a:r>
+            <a:r>
+              <a:rPr/>
+              <a:t>has</a:t>
+            </a:r>
+            <a:r>
+              <a:rPr/>
+              <a:t> </a:t>
+            </a:r>
+            <a:r>
+              <a:rPr/>
+              <a:t>already</a:t>
+            </a:r>
+            <a:r>
+              <a:rPr/>
+              <a:t> </a:t>
+            </a:r>
+            <a:r>
+              <a:rPr/>
+              <a:t>been</a:t>
+            </a:r>
+            <a:r>
+              <a:rPr/>
+              <a:t> </a:t>
+            </a:r>
+            <a:r>
+              <a:rPr/>
+              <a:t>researched.</a:t>
             </a:r>
           </a:p>
           <a:p>
@@ -9373,15 +9805,47 @@
             </a:pPr>
             <a:r>
               <a:rPr/>
-              <a:t>Closely</a:t>
-            </a:r>
-            <a:r>
-              <a:rPr/>
-              <a:t> </a:t>
-            </a:r>
-            <a:r>
-              <a:rPr/>
-              <a:t>related</a:t>
+              <a:t>A</a:t>
+            </a:r>
+            <a:r>
+              <a:rPr/>
+              <a:t> </a:t>
+            </a:r>
+            <a:r>
+              <a:rPr/>
+              <a:t>third</a:t>
+            </a:r>
+            <a:r>
+              <a:rPr/>
+              <a:t> </a:t>
+            </a:r>
+            <a:r>
+              <a:rPr/>
+              <a:t>choice</a:t>
+            </a:r>
+            <a:r>
+              <a:rPr/>
+              <a:t> </a:t>
+            </a:r>
+            <a:r>
+              <a:rPr/>
+              <a:t>that</a:t>
+            </a:r>
+            <a:r>
+              <a:rPr/>
+              <a:t> </a:t>
+            </a:r>
+            <a:r>
+              <a:rPr/>
+              <a:t>faces</a:t>
+            </a:r>
+            <a:r>
+              <a:rPr/>
+              <a:t> </a:t>
+            </a:r>
+            <a:r>
+              <a:rPr/>
+              <a:t>you</a:t>
             </a:r>
             <a:r>
               <a:rPr/>
@@ -9413,6 +9877,122 @@
             </a:r>
             <a:r>
               <a:rPr/>
+              <a:t>study</a:t>
+            </a:r>
+            <a:r>
+              <a:rPr/>
+              <a:t> </a:t>
+            </a:r>
+            <a:r>
+              <a:rPr/>
+              <a:t>a</a:t>
+            </a:r>
+            <a:r>
+              <a:rPr/>
+              <a:t> </a:t>
+            </a:r>
+            <a:r>
+              <a:rPr/>
+              <a:t>well-researched</a:t>
+            </a:r>
+            <a:r>
+              <a:rPr/>
+              <a:t> </a:t>
+            </a:r>
+            <a:r>
+              <a:rPr/>
+              <a:t>area</a:t>
+            </a:r>
+            <a:r>
+              <a:rPr/>
+              <a:t> </a:t>
+            </a:r>
+            <a:r>
+              <a:rPr/>
+              <a:t>or</a:t>
+            </a:r>
+            <a:r>
+              <a:rPr/>
+              <a:t> </a:t>
+            </a:r>
+            <a:r>
+              <a:rPr/>
+              <a:t>if</a:t>
+            </a:r>
+            <a:r>
+              <a:rPr/>
+              <a:t> </a:t>
+            </a:r>
+            <a:r>
+              <a:rPr/>
+              <a:t>you</a:t>
+            </a:r>
+            <a:r>
+              <a:rPr/>
+              <a:t> </a:t>
+            </a:r>
+            <a:r>
+              <a:rPr/>
+              <a:t>venture</a:t>
+            </a:r>
+            <a:r>
+              <a:rPr/>
+              <a:t> </a:t>
+            </a:r>
+            <a:r>
+              <a:rPr/>
+              <a:t>into</a:t>
+            </a:r>
+            <a:r>
+              <a:rPr/>
+              <a:t> </a:t>
+            </a:r>
+            <a:r>
+              <a:rPr/>
+              <a:t>“</a:t>
+            </a:r>
+            <a:r>
+              <a:rPr/>
+              <a:t>unknown</a:t>
+            </a:r>
+            <a:r>
+              <a:rPr/>
+              <a:t> </a:t>
+            </a:r>
+            <a:r>
+              <a:rPr/>
+              <a:t>territory</a:t>
+            </a:r>
+            <a:r>
+              <a:rPr/>
+              <a:t>”</a:t>
+            </a:r>
+            <a:r>
+              <a:rPr/>
+              <a:t>.</a:t>
+            </a:r>
+            <a:r>
+              <a:rPr/>
+              <a:t> </a:t>
+            </a:r>
+            <a:r>
+              <a:rPr/>
+              <a:t>Do</a:t>
+            </a:r>
+            <a:r>
+              <a:rPr/>
+              <a:t> </a:t>
+            </a:r>
+            <a:r>
+              <a:rPr/>
+              <a:t>you</a:t>
+            </a:r>
+            <a:r>
+              <a:rPr/>
+              <a:t> </a:t>
+            </a:r>
+            <a:r>
+              <a:rPr/>
               <a:t>want</a:t>
             </a:r>
             <a:r>
@@ -9445,191 +10025,23 @@
             </a:r>
             <a:r>
               <a:rPr/>
-              <a:t>pioneer</a:t>
-            </a:r>
-            <a:r>
-              <a:rPr/>
-              <a:t> </a:t>
-            </a:r>
-            <a:r>
-              <a:rPr/>
-              <a:t>and</a:t>
-            </a:r>
-            <a:r>
-              <a:rPr/>
-              <a:t> </a:t>
-            </a:r>
-            <a:r>
-              <a:rPr/>
-              <a:t>the</a:t>
-            </a:r>
-            <a:r>
-              <a:rPr/>
-              <a:t> </a:t>
-            </a:r>
-            <a:r>
-              <a:rPr/>
-              <a:t>first</a:t>
-            </a:r>
-            <a:r>
-              <a:rPr/>
-              <a:t> </a:t>
-            </a:r>
-            <a:r>
-              <a:rPr/>
-              <a:t>to</a:t>
-            </a:r>
-            <a:r>
-              <a:rPr/>
-              <a:t> </a:t>
-            </a:r>
-            <a:r>
-              <a:rPr/>
-              <a:t>embark</a:t>
-            </a:r>
-            <a:r>
-              <a:rPr/>
-              <a:t> </a:t>
-            </a:r>
-            <a:r>
-              <a:rPr/>
-              <a:t>in</a:t>
-            </a:r>
-            <a:r>
-              <a:rPr/>
-              <a:t> </a:t>
-            </a:r>
-            <a:r>
-              <a:rPr/>
-              <a:t>a</a:t>
-            </a:r>
-            <a:r>
-              <a:rPr/>
-              <a:t> </a:t>
-            </a:r>
-            <a:r>
-              <a:rPr/>
-              <a:t>new</a:t>
-            </a:r>
-            <a:r>
-              <a:rPr/>
-              <a:t> </a:t>
-            </a:r>
-            <a:r>
-              <a:rPr/>
-              <a:t>area,</a:t>
-            </a:r>
-            <a:r>
-              <a:rPr/>
-              <a:t> </a:t>
-            </a:r>
-            <a:r>
-              <a:rPr/>
-              <a:t>or</a:t>
-            </a:r>
-            <a:r>
-              <a:rPr/>
-              <a:t> </a:t>
-            </a:r>
-            <a:r>
-              <a:rPr/>
-              <a:t>do</a:t>
-            </a:r>
-            <a:r>
-              <a:rPr/>
-              <a:t> </a:t>
-            </a:r>
-            <a:r>
-              <a:rPr/>
-              <a:t>you</a:t>
-            </a:r>
-            <a:r>
-              <a:rPr/>
-              <a:t> </a:t>
-            </a:r>
-            <a:r>
-              <a:rPr/>
-              <a:t>want</a:t>
-            </a:r>
-            <a:r>
-              <a:rPr/>
-              <a:t> </a:t>
-            </a:r>
-            <a:r>
-              <a:rPr/>
-              <a:t>to</a:t>
-            </a:r>
-            <a:r>
-              <a:rPr/>
-              <a:t> </a:t>
-            </a:r>
-            <a:r>
-              <a:rPr/>
-              <a:t>add</a:t>
-            </a:r>
-            <a:r>
-              <a:rPr/>
-              <a:t> </a:t>
-            </a:r>
-            <a:r>
-              <a:rPr/>
-              <a:t>to</a:t>
-            </a:r>
-            <a:r>
-              <a:rPr/>
-              <a:t> </a:t>
-            </a:r>
-            <a:r>
-              <a:rPr/>
-              <a:t>a</a:t>
-            </a:r>
-            <a:r>
-              <a:rPr/>
-              <a:t> </a:t>
-            </a:r>
-            <a:r>
-              <a:rPr/>
-              <a:t>problem</a:t>
-            </a:r>
-            <a:r>
-              <a:rPr/>
-              <a:t> </a:t>
-            </a:r>
-            <a:r>
-              <a:rPr/>
-              <a:t>that</a:t>
-            </a:r>
-            <a:r>
-              <a:rPr/>
-              <a:t> </a:t>
-            </a:r>
-            <a:r>
-              <a:rPr/>
-              <a:t>has</a:t>
-            </a:r>
-            <a:r>
-              <a:rPr/>
-              <a:t> </a:t>
-            </a:r>
-            <a:r>
-              <a:rPr/>
-              <a:t>already</a:t>
-            </a:r>
-            <a:r>
-              <a:rPr/>
-              <a:t> </a:t>
-            </a:r>
-            <a:r>
-              <a:rPr/>
-              <a:t>been</a:t>
-            </a:r>
-            <a:r>
-              <a:rPr/>
-              <a:t> </a:t>
-            </a:r>
-            <a:r>
-              <a:rPr/>
-              <a:t>researched.</a:t>
+              <a:t>pioneer,</a:t>
+            </a:r>
+            <a:r>
+              <a:rPr/>
+              <a:t> </a:t>
+            </a:r>
+            <a:r>
+              <a:rPr/>
+              <a:t>for</a:t>
+            </a:r>
+            <a:r>
+              <a:rPr/>
+              <a:t> </a:t>
+            </a:r>
+            <a:r>
+              <a:rPr/>
+              <a:t>example?</a:t>
             </a:r>
           </a:p>
           <a:p>
@@ -9641,222 +10053,6 @@
             <a:pPr lvl="0" marL="0" indent="0">
               <a:buNone/>
             </a:pPr>
-            <a:r>
-              <a:rPr/>
-              <a:t>Both</a:t>
-            </a:r>
-            <a:r>
-              <a:rPr/>
-              <a:t> </a:t>
-            </a:r>
-            <a:r>
-              <a:rPr/>
-              <a:t>are</a:t>
-            </a:r>
-            <a:r>
-              <a:rPr/>
-              <a:t> </a:t>
-            </a:r>
-            <a:r>
-              <a:rPr/>
-              <a:t>important.</a:t>
-            </a:r>
-            <a:r>
-              <a:rPr/>
-              <a:t> </a:t>
-            </a:r>
-            <a:r>
-              <a:rPr/>
-              <a:t>Whenever</a:t>
-            </a:r>
-            <a:r>
-              <a:rPr/>
-              <a:t> </a:t>
-            </a:r>
-            <a:r>
-              <a:rPr/>
-              <a:t>I</a:t>
-            </a:r>
-            <a:r>
-              <a:rPr/>
-              <a:t> </a:t>
-            </a:r>
-            <a:r>
-              <a:rPr/>
-              <a:t>present</a:t>
-            </a:r>
-            <a:r>
-              <a:rPr/>
-              <a:t> </a:t>
-            </a:r>
-            <a:r>
-              <a:rPr/>
-              <a:t>a</a:t>
-            </a:r>
-            <a:r>
-              <a:rPr/>
-              <a:t> </a:t>
-            </a:r>
-            <a:r>
-              <a:rPr/>
-              <a:t>dichotomoy</a:t>
-            </a:r>
-            <a:r>
-              <a:rPr/>
-              <a:t> </a:t>
-            </a:r>
-            <a:r>
-              <a:rPr/>
-              <a:t>it</a:t>
-            </a:r>
-            <a:r>
-              <a:rPr/>
-              <a:t> </a:t>
-            </a:r>
-            <a:r>
-              <a:rPr/>
-              <a:t>is</a:t>
-            </a:r>
-            <a:r>
-              <a:rPr/>
-              <a:t> </a:t>
-            </a:r>
-            <a:r>
-              <a:rPr/>
-              <a:t>not</a:t>
-            </a:r>
-            <a:r>
-              <a:rPr/>
-              <a:t> </a:t>
-            </a:r>
-            <a:r>
-              <a:rPr/>
-              <a:t>because</a:t>
-            </a:r>
-            <a:r>
-              <a:rPr/>
-              <a:t> </a:t>
-            </a:r>
-            <a:r>
-              <a:rPr/>
-              <a:t>I</a:t>
-            </a:r>
-            <a:r>
-              <a:rPr/>
-              <a:t> </a:t>
-            </a:r>
-            <a:r>
-              <a:rPr/>
-              <a:t>want</a:t>
-            </a:r>
-            <a:r>
-              <a:rPr/>
-              <a:t> </a:t>
-            </a:r>
-            <a:r>
-              <a:rPr/>
-              <a:t>you</a:t>
-            </a:r>
-            <a:r>
-              <a:rPr/>
-              <a:t> </a:t>
-            </a:r>
-            <a:r>
-              <a:rPr/>
-              <a:t>to</a:t>
-            </a:r>
-            <a:r>
-              <a:rPr/>
-              <a:t> </a:t>
-            </a:r>
-            <a:r>
-              <a:rPr/>
-              <a:t>“</a:t>
-            </a:r>
-            <a:r>
-              <a:rPr/>
-              <a:t>go</a:t>
-            </a:r>
-            <a:r>
-              <a:rPr/>
-              <a:t> </a:t>
-            </a:r>
-            <a:r>
-              <a:rPr/>
-              <a:t>to</a:t>
-            </a:r>
-            <a:r>
-              <a:rPr/>
-              <a:t> </a:t>
-            </a:r>
-            <a:r>
-              <a:rPr/>
-              <a:t>the</a:t>
-            </a:r>
-            <a:r>
-              <a:rPr/>
-              <a:t> </a:t>
-            </a:r>
-            <a:r>
-              <a:rPr/>
-              <a:t>left</a:t>
-            </a:r>
-            <a:r>
-              <a:rPr/>
-              <a:t>”</a:t>
-            </a:r>
-            <a:r>
-              <a:rPr/>
-              <a:t> </a:t>
-            </a:r>
-            <a:r>
-              <a:rPr/>
-              <a:t>or</a:t>
-            </a:r>
-            <a:r>
-              <a:rPr/>
-              <a:t> </a:t>
-            </a:r>
-            <a:r>
-              <a:rPr/>
-              <a:t>“</a:t>
-            </a:r>
-            <a:r>
-              <a:rPr/>
-              <a:t>go</a:t>
-            </a:r>
-            <a:r>
-              <a:rPr/>
-              <a:t> </a:t>
-            </a:r>
-            <a:r>
-              <a:rPr/>
-              <a:t>to</a:t>
-            </a:r>
-            <a:r>
-              <a:rPr/>
-              <a:t> </a:t>
-            </a:r>
-            <a:r>
-              <a:rPr/>
-              <a:t>the</a:t>
-            </a:r>
-            <a:r>
-              <a:rPr/>
-              <a:t> </a:t>
-            </a:r>
-            <a:r>
-              <a:rPr/>
-              <a:t>right.</a:t>
-            </a:r>
-            <a:r>
-              <a:rPr/>
-              <a:t>”</a:t>
-            </a:r>
-            <a:r>
-              <a:rPr/>
-              <a:t> </a:t>
-            </a:r>
             <a:r>
               <a:rPr/>
               <a:t>If</a:t>
@@ -11195,7 +11391,7 @@
             </a:r>
             <a:r>
               <a:rPr/>
-              <a:t>feedack</a:t>
+              <a:t>feedback</a:t>
             </a:r>
             <a:r>
               <a:rPr/>
@@ -11695,7 +11891,7 @@
             </a:r>
             <a:r>
               <a:rPr/>
-              <a:t>obervational</a:t>
+              <a:t>observational</a:t>
             </a:r>
             <a:r>
               <a:rPr/>
@@ -15531,7 +15727,7 @@
             </a:r>
             <a:r>
               <a:rPr/>
-              <a:t>beneifts</a:t>
+              <a:t>benefits</a:t>
             </a:r>
             <a:r>
               <a:rPr/>
@@ -16697,7 +16893,7 @@
             </a:r>
             <a:r>
               <a:rPr/>
-              <a:t>hijecked</a:t>
+              <a:t>hijacked</a:t>
             </a:r>
             <a:r>
               <a:rPr/>
@@ -17293,7 +17489,7 @@
             </a:r>
             <a:r>
               <a:rPr/>
-              <a:t>intervetion,</a:t>
+              <a:t>intervention,</a:t>
             </a:r>
             <a:r>
               <a:rPr/>
@@ -23211,7 +23407,7 @@
             </a:pPr>
             <a:r>
               <a:rPr/>
-              <a:t>Anoter</a:t>
+              <a:t>Another</a:t>
             </a:r>
             <a:r>
               <a:rPr/>
@@ -23315,7 +23511,7 @@
             </a:r>
             <a:r>
               <a:rPr/>
-              <a:t>wnat</a:t>
+              <a:t>want</a:t>
             </a:r>
             <a:r>
               <a:rPr/>
@@ -23363,7 +23559,7 @@
             </a:r>
             <a:r>
               <a:rPr/>
-              <a:t>hypothessi</a:t>
+              <a:t>hypothesis</a:t>
             </a:r>
             <a:r>
               <a:rPr/>
@@ -23721,7 +23917,7 @@
             </a:r>
             <a:r>
               <a:rPr/>
-              <a:t>helathy</a:t>
+              <a:t>healthy</a:t>
             </a:r>
             <a:r>
               <a:rPr/>
@@ -25955,7 +26151,7 @@
             </a:r>
             <a:r>
               <a:rPr/>
-              <a:t>variaibles</a:t>
+              <a:t>variables</a:t>
             </a:r>
             <a:r>
               <a:rPr/>
@@ -26211,7 +26407,7 @@
             </a:r>
             <a:r>
               <a:rPr/>
-              <a:t>suited</a:t>
+              <a:t>suitable</a:t>
             </a:r>
             <a:r>
               <a:rPr/>
@@ -26259,7 +26455,7 @@
             </a:r>
             <a:r>
               <a:rPr/>
-              <a:t>atrribute</a:t>
+              <a:t>attribute</a:t>
             </a:r>
             <a:r>
               <a:rPr/>
@@ -26457,39 +26653,7 @@
             </a:pPr>
             <a:r>
               <a:rPr/>
-              <a:t>Covariates,</a:t>
-            </a:r>
-            <a:r>
-              <a:rPr/>
-              <a:t> </a:t>
-            </a:r>
-            <a:r>
-              <a:rPr/>
-              <a:t>sometimes</a:t>
-            </a:r>
-            <a:r>
-              <a:rPr/>
-              <a:t> </a:t>
-            </a:r>
-            <a:r>
-              <a:rPr/>
-              <a:t>called</a:t>
-            </a:r>
-            <a:r>
-              <a:rPr/>
-              <a:t> </a:t>
-            </a:r>
-            <a:r>
-              <a:rPr/>
-              <a:t>extraneous</a:t>
-            </a:r>
-            <a:r>
-              <a:rPr/>
-              <a:t> </a:t>
-            </a:r>
-            <a:r>
-              <a:rPr/>
-              <a:t>variables</a:t>
+              <a:t>Covariates</a:t>
             </a:r>
             <a:r>
               <a:rPr/>
@@ -28315,7 +28479,7 @@
             </a:r>
             <a:r>
               <a:rPr/>
-              <a:t>clas.</a:t>
+              <a:t>class.</a:t>
             </a:r>
           </a:p>
           <a:p>
@@ -28849,7 +29013,7 @@
             </a:r>
             <a:r>
               <a:rPr/>
-              <a:t>vaules</a:t>
+              <a:t>values</a:t>
             </a:r>
             <a:r>
               <a:rPr/>
@@ -32941,7 +33105,7 @@
             </a:r>
             <a:r>
               <a:rPr/>
-              <a:t>plances</a:t>
+              <a:t>places</a:t>
             </a:r>
             <a:r>
               <a:rPr/>
@@ -32965,7 +33129,7 @@
             </a:r>
             <a:r>
               <a:rPr/>
-              <a:t>empahsis</a:t>
+              <a:t>emphasis</a:t>
             </a:r>
             <a:r>
               <a:rPr/>
@@ -32981,7 +33145,7 @@
             </a:r>
             <a:r>
               <a:rPr/>
-              <a:t>scientifc</a:t>
+              <a:t>scientific</a:t>
             </a:r>
             <a:r>
               <a:rPr/>
@@ -33619,7 +33783,7 @@
             </a:r>
             <a:r>
               <a:rPr/>
-              <a:t>manadated</a:t>
+              <a:t>mandated</a:t>
             </a:r>
             <a:r>
               <a:rPr/>
@@ -35171,7 +35335,7 @@
             </a:r>
             <a:r>
               <a:rPr/>
-              <a:t>perhpas,</a:t>
+              <a:t>perhaps,</a:t>
             </a:r>
             <a:r>
               <a:rPr/>
@@ -37657,7 +37821,7 @@
             </a:r>
             <a:r>
               <a:rPr/>
-              <a:t>studes</a:t>
+              <a:t>studies</a:t>
             </a:r>
             <a:r>
               <a:rPr/>
@@ -46477,7 +46641,7 @@
             </a:r>
             <a:r>
               <a:rPr/>
-              <a:t>receiveing</a:t>
+              <a:t>receiving</a:t>
             </a:r>
             <a:r>
               <a:rPr/>
@@ -48729,7 +48893,7 @@
             </a:r>
             <a:r>
               <a:rPr/>
-              <a:t>flatforms</a:t>
+              <a:t>flatworms</a:t>
             </a:r>
             <a:r>
               <a:rPr/>
@@ -48933,7 +49097,7 @@
             </a:pPr>
             <a:r>
               <a:rPr/>
-              <a:t>Ther</a:t>
+              <a:t>The</a:t>
             </a:r>
             <a:r>
               <a:rPr/>
@@ -57767,7 +57931,7 @@
             </a:r>
             <a:r>
               <a:rPr/>
-              <a:t>assignnment</a:t>
+              <a:t>assignment</a:t>
             </a:r>
             <a:r>
               <a:rPr/>
@@ -64788,7 +64952,7 @@
             </a:pPr>
             <a:r>
               <a:rPr/>
-              <a:t>These categories are not mutally exclusive.</a:t>
+              <a:t>These categories are not mutually exclusive.</a:t>
             </a:r>
           </a:p>
           <a:p>
@@ -67117,7 +67281,15 @@
             </a:pPr>
             <a:r>
               <a:rPr/>
-              <a:t>Step5</a:t>
+              <a:t>Step</a:t>
+            </a:r>
+            <a:r>
+              <a:rPr/>
+              <a:t> </a:t>
+            </a:r>
+            <a:r>
+              <a:rPr/>
+              <a:t>5</a:t>
             </a:r>
             <a:r>
               <a:rPr/>
